--- a/Modules/Module 3 - Intro to Docker/Module 3 - Intro to Docker.pptx
+++ b/Modules/Module 3 - Intro to Docker/Module 3 - Intro to Docker.pptx
@@ -219,7 +219,7 @@
           <a:noFill/>
           <a:extLst>
             <a:ext uri="{909E8E84-426E-40dd-AFC4-6F175D3DCCD1}">
-              <a14:hiddenFill xmlns="" xmlns:a14="http://schemas.microsoft.com/office/drawing/2010/main">
+              <a14:hiddenFill xmlns:a14="http://schemas.microsoft.com/office/drawing/2010/main" xmlns="">
                 <a:solidFill>
                   <a:srgbClr val="FFFFFF"/>
                 </a:solidFill>
@@ -278,7 +278,7 @@
             </a:ln>
             <a:extLst>
               <a:ext uri="{91240B29-F687-4f45-9708-019B960494DF}">
-                <a14:hiddenLine xmlns="" xmlns:a14="http://schemas.microsoft.com/office/drawing/2010/main" w="9525">
+                <a14:hiddenLine xmlns:a14="http://schemas.microsoft.com/office/drawing/2010/main" xmlns="" w="9525">
                   <a:solidFill>
                     <a:srgbClr val="000000"/>
                   </a:solidFill>
@@ -368,7 +368,7 @@
             </a:ln>
             <a:extLst>
               <a:ext uri="{91240B29-F687-4f45-9708-019B960494DF}">
-                <a14:hiddenLine xmlns="" xmlns:a14="http://schemas.microsoft.com/office/drawing/2010/main" w="9525">
+                <a14:hiddenLine xmlns:a14="http://schemas.microsoft.com/office/drawing/2010/main" xmlns="" w="9525">
                   <a:solidFill>
                     <a:srgbClr val="000000"/>
                   </a:solidFill>
@@ -458,7 +458,7 @@
             </a:ln>
             <a:extLst>
               <a:ext uri="{91240B29-F687-4f45-9708-019B960494DF}">
-                <a14:hiddenLine xmlns="" xmlns:a14="http://schemas.microsoft.com/office/drawing/2010/main" w="9525">
+                <a14:hiddenLine xmlns:a14="http://schemas.microsoft.com/office/drawing/2010/main" xmlns="" w="9525">
                   <a:solidFill>
                     <a:srgbClr val="000000"/>
                   </a:solidFill>
@@ -492,7 +492,7 @@
             </a:ln>
             <a:extLst>
               <a:ext uri="{91240B29-F687-4f45-9708-019B960494DF}">
-                <a14:hiddenLine xmlns="" xmlns:a14="http://schemas.microsoft.com/office/drawing/2010/main" w="9525">
+                <a14:hiddenLine xmlns:a14="http://schemas.microsoft.com/office/drawing/2010/main" xmlns="" w="9525">
                   <a:solidFill>
                     <a:srgbClr val="000000"/>
                   </a:solidFill>
@@ -582,7 +582,7 @@
             </a:ln>
             <a:extLst>
               <a:ext uri="{91240B29-F687-4f45-9708-019B960494DF}">
-                <a14:hiddenLine xmlns="" xmlns:a14="http://schemas.microsoft.com/office/drawing/2010/main" w="9525">
+                <a14:hiddenLine xmlns:a14="http://schemas.microsoft.com/office/drawing/2010/main" xmlns="" w="9525">
                   <a:solidFill>
                     <a:srgbClr val="000000"/>
                   </a:solidFill>
@@ -644,7 +644,7 @@
             </a:ln>
             <a:extLst>
               <a:ext uri="{91240B29-F687-4f45-9708-019B960494DF}">
-                <a14:hiddenLine xmlns="" xmlns:a14="http://schemas.microsoft.com/office/drawing/2010/main" w="9525">
+                <a14:hiddenLine xmlns:a14="http://schemas.microsoft.com/office/drawing/2010/main" xmlns="" w="9525">
                   <a:solidFill>
                     <a:srgbClr val="000000"/>
                   </a:solidFill>
@@ -706,7 +706,7 @@
             </a:ln>
             <a:extLst>
               <a:ext uri="{91240B29-F687-4f45-9708-019B960494DF}">
-                <a14:hiddenLine xmlns="" xmlns:a14="http://schemas.microsoft.com/office/drawing/2010/main" w="9525">
+                <a14:hiddenLine xmlns:a14="http://schemas.microsoft.com/office/drawing/2010/main" xmlns="" w="9525">
                   <a:solidFill>
                     <a:srgbClr val="000000"/>
                   </a:solidFill>
@@ -796,7 +796,7 @@
             </a:ln>
             <a:extLst>
               <a:ext uri="{91240B29-F687-4f45-9708-019B960494DF}">
-                <a14:hiddenLine xmlns="" xmlns:a14="http://schemas.microsoft.com/office/drawing/2010/main" w="9525">
+                <a14:hiddenLine xmlns:a14="http://schemas.microsoft.com/office/drawing/2010/main" xmlns="" w="9525">
                   <a:solidFill>
                     <a:srgbClr val="000000"/>
                   </a:solidFill>
@@ -858,7 +858,7 @@
             </a:ln>
             <a:extLst>
               <a:ext uri="{91240B29-F687-4f45-9708-019B960494DF}">
-                <a14:hiddenLine xmlns="" xmlns:a14="http://schemas.microsoft.com/office/drawing/2010/main" w="9525">
+                <a14:hiddenLine xmlns:a14="http://schemas.microsoft.com/office/drawing/2010/main" xmlns="" w="9525">
                   <a:solidFill>
                     <a:srgbClr val="000000"/>
                   </a:solidFill>
@@ -920,7 +920,7 @@
             </a:ln>
             <a:extLst>
               <a:ext uri="{91240B29-F687-4f45-9708-019B960494DF}">
-                <a14:hiddenLine xmlns="" xmlns:a14="http://schemas.microsoft.com/office/drawing/2010/main" w="9525">
+                <a14:hiddenLine xmlns:a14="http://schemas.microsoft.com/office/drawing/2010/main" xmlns="" w="9525">
                   <a:solidFill>
                     <a:srgbClr val="000000"/>
                   </a:solidFill>
@@ -1010,7 +1010,7 @@
             </a:ln>
             <a:extLst>
               <a:ext uri="{91240B29-F687-4f45-9708-019B960494DF}">
-                <a14:hiddenLine xmlns="" xmlns:a14="http://schemas.microsoft.com/office/drawing/2010/main" w="9525">
+                <a14:hiddenLine xmlns:a14="http://schemas.microsoft.com/office/drawing/2010/main" xmlns="" w="9525">
                   <a:solidFill>
                     <a:srgbClr val="000000"/>
                   </a:solidFill>
@@ -1100,7 +1100,7 @@
             </a:ln>
             <a:extLst>
               <a:ext uri="{91240B29-F687-4f45-9708-019B960494DF}">
-                <a14:hiddenLine xmlns="" xmlns:a14="http://schemas.microsoft.com/office/drawing/2010/main" w="9525">
+                <a14:hiddenLine xmlns:a14="http://schemas.microsoft.com/office/drawing/2010/main" xmlns="" w="9525">
                   <a:solidFill>
                     <a:srgbClr val="000000"/>
                   </a:solidFill>
@@ -1162,7 +1162,7 @@
             </a:ln>
             <a:extLst>
               <a:ext uri="{91240B29-F687-4f45-9708-019B960494DF}">
-                <a14:hiddenLine xmlns="" xmlns:a14="http://schemas.microsoft.com/office/drawing/2010/main" w="9525">
+                <a14:hiddenLine xmlns:a14="http://schemas.microsoft.com/office/drawing/2010/main" xmlns="" w="9525">
                   <a:solidFill>
                     <a:srgbClr val="000000"/>
                   </a:solidFill>
@@ -1272,7 +1272,7 @@
             </a:ln>
             <a:extLst>
               <a:ext uri="{91240B29-F687-4f45-9708-019B960494DF}">
-                <a14:hiddenLine xmlns="" xmlns:a14="http://schemas.microsoft.com/office/drawing/2010/main" w="9525">
+                <a14:hiddenLine xmlns:a14="http://schemas.microsoft.com/office/drawing/2010/main" xmlns="" w="9525">
                   <a:solidFill>
                     <a:srgbClr val="000000"/>
                   </a:solidFill>
@@ -1334,7 +1334,7 @@
             </a:ln>
             <a:extLst>
               <a:ext uri="{91240B29-F687-4f45-9708-019B960494DF}">
-                <a14:hiddenLine xmlns="" xmlns:a14="http://schemas.microsoft.com/office/drawing/2010/main" w="9525">
+                <a14:hiddenLine xmlns:a14="http://schemas.microsoft.com/office/drawing/2010/main" xmlns="" w="9525">
                   <a:solidFill>
                     <a:srgbClr val="000000"/>
                   </a:solidFill>
@@ -1424,7 +1424,7 @@
             </a:ln>
             <a:extLst>
               <a:ext uri="{91240B29-F687-4f45-9708-019B960494DF}">
-                <a14:hiddenLine xmlns="" xmlns:a14="http://schemas.microsoft.com/office/drawing/2010/main" w="9525">
+                <a14:hiddenLine xmlns:a14="http://schemas.microsoft.com/office/drawing/2010/main" xmlns="" w="9525">
                   <a:solidFill>
                     <a:srgbClr val="000000"/>
                   </a:solidFill>
@@ -1514,7 +1514,7 @@
             </a:ln>
             <a:extLst>
               <a:ext uri="{91240B29-F687-4f45-9708-019B960494DF}">
-                <a14:hiddenLine xmlns="" xmlns:a14="http://schemas.microsoft.com/office/drawing/2010/main" w="9525">
+                <a14:hiddenLine xmlns:a14="http://schemas.microsoft.com/office/drawing/2010/main" xmlns="" w="9525">
                   <a:solidFill>
                     <a:srgbClr val="000000"/>
                   </a:solidFill>
@@ -1576,7 +1576,7 @@
             </a:ln>
             <a:extLst>
               <a:ext uri="{91240B29-F687-4f45-9708-019B960494DF}">
-                <a14:hiddenLine xmlns="" xmlns:a14="http://schemas.microsoft.com/office/drawing/2010/main" w="9525">
+                <a14:hiddenLine xmlns:a14="http://schemas.microsoft.com/office/drawing/2010/main" xmlns="" w="9525">
                   <a:solidFill>
                     <a:srgbClr val="000000"/>
                   </a:solidFill>
@@ -1666,7 +1666,7 @@
             </a:ln>
             <a:extLst>
               <a:ext uri="{91240B29-F687-4f45-9708-019B960494DF}">
-                <a14:hiddenLine xmlns="" xmlns:a14="http://schemas.microsoft.com/office/drawing/2010/main" w="9525">
+                <a14:hiddenLine xmlns:a14="http://schemas.microsoft.com/office/drawing/2010/main" xmlns="" w="9525">
                   <a:solidFill>
                     <a:srgbClr val="000000"/>
                   </a:solidFill>
@@ -1756,7 +1756,7 @@
             </a:ln>
             <a:extLst>
               <a:ext uri="{91240B29-F687-4f45-9708-019B960494DF}">
-                <a14:hiddenLine xmlns="" xmlns:a14="http://schemas.microsoft.com/office/drawing/2010/main" w="9525">
+                <a14:hiddenLine xmlns:a14="http://schemas.microsoft.com/office/drawing/2010/main" xmlns="" w="9525">
                   <a:solidFill>
                     <a:srgbClr val="000000"/>
                   </a:solidFill>
@@ -1812,7 +1812,7 @@
             </a:ln>
             <a:extLst>
               <a:ext uri="{91240B29-F687-4f45-9708-019B960494DF}">
-                <a14:hiddenLine xmlns="" xmlns:a14="http://schemas.microsoft.com/office/drawing/2010/main" w="9525">
+                <a14:hiddenLine xmlns:a14="http://schemas.microsoft.com/office/drawing/2010/main" xmlns="" w="9525">
                   <a:solidFill>
                     <a:srgbClr val="000000"/>
                   </a:solidFill>
@@ -1902,7 +1902,7 @@
             </a:ln>
             <a:extLst>
               <a:ext uri="{91240B29-F687-4f45-9708-019B960494DF}">
-                <a14:hiddenLine xmlns="" xmlns:a14="http://schemas.microsoft.com/office/drawing/2010/main" w="9525">
+                <a14:hiddenLine xmlns:a14="http://schemas.microsoft.com/office/drawing/2010/main" xmlns="" w="9525">
                   <a:solidFill>
                     <a:srgbClr val="000000"/>
                   </a:solidFill>
@@ -1958,7 +1958,7 @@
             </a:ln>
             <a:extLst>
               <a:ext uri="{91240B29-F687-4f45-9708-019B960494DF}">
-                <a14:hiddenLine xmlns="" xmlns:a14="http://schemas.microsoft.com/office/drawing/2010/main" w="9525">
+                <a14:hiddenLine xmlns:a14="http://schemas.microsoft.com/office/drawing/2010/main" xmlns="" w="9525">
                   <a:solidFill>
                     <a:srgbClr val="000000"/>
                   </a:solidFill>
@@ -2048,7 +2048,7 @@
             </a:ln>
             <a:extLst>
               <a:ext uri="{91240B29-F687-4f45-9708-019B960494DF}">
-                <a14:hiddenLine xmlns="" xmlns:a14="http://schemas.microsoft.com/office/drawing/2010/main" w="9525">
+                <a14:hiddenLine xmlns:a14="http://schemas.microsoft.com/office/drawing/2010/main" xmlns="" w="9525">
                   <a:solidFill>
                     <a:srgbClr val="000000"/>
                   </a:solidFill>
@@ -2116,7 +2116,7 @@
             </a:ln>
             <a:extLst>
               <a:ext uri="{91240B29-F687-4f45-9708-019B960494DF}">
-                <a14:hiddenLine xmlns="" xmlns:a14="http://schemas.microsoft.com/office/drawing/2010/main" w="9525">
+                <a14:hiddenLine xmlns:a14="http://schemas.microsoft.com/office/drawing/2010/main" xmlns="" w="9525">
                   <a:solidFill>
                     <a:srgbClr val="000000"/>
                   </a:solidFill>
@@ -2206,7 +2206,7 @@
             </a:ln>
             <a:extLst>
               <a:ext uri="{91240B29-F687-4f45-9708-019B960494DF}">
-                <a14:hiddenLine xmlns="" xmlns:a14="http://schemas.microsoft.com/office/drawing/2010/main" w="9525">
+                <a14:hiddenLine xmlns:a14="http://schemas.microsoft.com/office/drawing/2010/main" xmlns="" w="9525">
                   <a:solidFill>
                     <a:srgbClr val="000000"/>
                   </a:solidFill>
@@ -2274,7 +2274,7 @@
             </a:ln>
             <a:extLst>
               <a:ext uri="{91240B29-F687-4f45-9708-019B960494DF}">
-                <a14:hiddenLine xmlns="" xmlns:a14="http://schemas.microsoft.com/office/drawing/2010/main" w="9525">
+                <a14:hiddenLine xmlns:a14="http://schemas.microsoft.com/office/drawing/2010/main" xmlns="" w="9525">
                   <a:solidFill>
                     <a:srgbClr val="000000"/>
                   </a:solidFill>
@@ -2364,7 +2364,7 @@
             </a:ln>
             <a:extLst>
               <a:ext uri="{91240B29-F687-4f45-9708-019B960494DF}">
-                <a14:hiddenLine xmlns="" xmlns:a14="http://schemas.microsoft.com/office/drawing/2010/main" w="9525">
+                <a14:hiddenLine xmlns:a14="http://schemas.microsoft.com/office/drawing/2010/main" xmlns="" w="9525">
                   <a:solidFill>
                     <a:srgbClr val="000000"/>
                   </a:solidFill>
@@ -2398,7 +2398,7 @@
             </a:ln>
             <a:extLst>
               <a:ext uri="{91240B29-F687-4f45-9708-019B960494DF}">
-                <a14:hiddenLine xmlns="" xmlns:a14="http://schemas.microsoft.com/office/drawing/2010/main" w="9525">
+                <a14:hiddenLine xmlns:a14="http://schemas.microsoft.com/office/drawing/2010/main" xmlns="" w="9525">
                   <a:solidFill>
                     <a:srgbClr val="000000"/>
                   </a:solidFill>
@@ -2488,7 +2488,7 @@
             </a:ln>
             <a:extLst>
               <a:ext uri="{91240B29-F687-4f45-9708-019B960494DF}">
-                <a14:hiddenLine xmlns="" xmlns:a14="http://schemas.microsoft.com/office/drawing/2010/main" w="9525">
+                <a14:hiddenLine xmlns:a14="http://schemas.microsoft.com/office/drawing/2010/main" xmlns="" w="9525">
                   <a:solidFill>
                     <a:srgbClr val="000000"/>
                   </a:solidFill>
@@ -2550,7 +2550,7 @@
             </a:ln>
             <a:extLst>
               <a:ext uri="{91240B29-F687-4f45-9708-019B960494DF}">
-                <a14:hiddenLine xmlns="" xmlns:a14="http://schemas.microsoft.com/office/drawing/2010/main" w="9525">
+                <a14:hiddenLine xmlns:a14="http://schemas.microsoft.com/office/drawing/2010/main" xmlns="" w="9525">
                   <a:solidFill>
                     <a:srgbClr val="000000"/>
                   </a:solidFill>
@@ -2612,7 +2612,7 @@
             </a:ln>
             <a:extLst>
               <a:ext uri="{91240B29-F687-4f45-9708-019B960494DF}">
-                <a14:hiddenLine xmlns="" xmlns:a14="http://schemas.microsoft.com/office/drawing/2010/main" w="9525">
+                <a14:hiddenLine xmlns:a14="http://schemas.microsoft.com/office/drawing/2010/main" xmlns="" w="9525">
                   <a:solidFill>
                     <a:srgbClr val="000000"/>
                   </a:solidFill>
@@ -2702,7 +2702,7 @@
             </a:ln>
             <a:extLst>
               <a:ext uri="{91240B29-F687-4f45-9708-019B960494DF}">
-                <a14:hiddenLine xmlns="" xmlns:a14="http://schemas.microsoft.com/office/drawing/2010/main" w="9525">
+                <a14:hiddenLine xmlns:a14="http://schemas.microsoft.com/office/drawing/2010/main" xmlns="" w="9525">
                   <a:solidFill>
                     <a:srgbClr val="000000"/>
                   </a:solidFill>
@@ -2770,7 +2770,7 @@
             </a:ln>
             <a:extLst>
               <a:ext uri="{91240B29-F687-4f45-9708-019B960494DF}">
-                <a14:hiddenLine xmlns="" xmlns:a14="http://schemas.microsoft.com/office/drawing/2010/main" w="9525">
+                <a14:hiddenLine xmlns:a14="http://schemas.microsoft.com/office/drawing/2010/main" xmlns="" w="9525">
                   <a:solidFill>
                     <a:srgbClr val="000000"/>
                   </a:solidFill>
@@ -2832,7 +2832,7 @@
             </a:ln>
             <a:extLst>
               <a:ext uri="{91240B29-F687-4f45-9708-019B960494DF}">
-                <a14:hiddenLine xmlns="" xmlns:a14="http://schemas.microsoft.com/office/drawing/2010/main" w="9525">
+                <a14:hiddenLine xmlns:a14="http://schemas.microsoft.com/office/drawing/2010/main" xmlns="" w="9525">
                   <a:solidFill>
                     <a:srgbClr val="000000"/>
                   </a:solidFill>
@@ -2922,7 +2922,7 @@
             </a:ln>
             <a:extLst>
               <a:ext uri="{91240B29-F687-4f45-9708-019B960494DF}">
-                <a14:hiddenLine xmlns="" xmlns:a14="http://schemas.microsoft.com/office/drawing/2010/main" w="9525">
+                <a14:hiddenLine xmlns:a14="http://schemas.microsoft.com/office/drawing/2010/main" xmlns="" w="9525">
                   <a:solidFill>
                     <a:srgbClr val="000000"/>
                   </a:solidFill>
@@ -2984,7 +2984,7 @@
             </a:ln>
             <a:extLst>
               <a:ext uri="{91240B29-F687-4f45-9708-019B960494DF}">
-                <a14:hiddenLine xmlns="" xmlns:a14="http://schemas.microsoft.com/office/drawing/2010/main" w="9525">
+                <a14:hiddenLine xmlns:a14="http://schemas.microsoft.com/office/drawing/2010/main" xmlns="" w="9525">
                   <a:solidFill>
                     <a:srgbClr val="000000"/>
                   </a:solidFill>
@@ -3074,7 +3074,7 @@
             </a:ln>
             <a:extLst>
               <a:ext uri="{91240B29-F687-4f45-9708-019B960494DF}">
-                <a14:hiddenLine xmlns="" xmlns:a14="http://schemas.microsoft.com/office/drawing/2010/main" w="9525">
+                <a14:hiddenLine xmlns:a14="http://schemas.microsoft.com/office/drawing/2010/main" xmlns="" w="9525">
                   <a:solidFill>
                     <a:srgbClr val="000000"/>
                   </a:solidFill>
@@ -3136,7 +3136,7 @@
             </a:ln>
             <a:extLst>
               <a:ext uri="{91240B29-F687-4f45-9708-019B960494DF}">
-                <a14:hiddenLine xmlns="" xmlns:a14="http://schemas.microsoft.com/office/drawing/2010/main" w="9525">
+                <a14:hiddenLine xmlns:a14="http://schemas.microsoft.com/office/drawing/2010/main" xmlns="" w="9525">
                   <a:solidFill>
                     <a:srgbClr val="000000"/>
                   </a:solidFill>
@@ -3226,7 +3226,7 @@
             </a:ln>
             <a:extLst>
               <a:ext uri="{91240B29-F687-4f45-9708-019B960494DF}">
-                <a14:hiddenLine xmlns="" xmlns:a14="http://schemas.microsoft.com/office/drawing/2010/main" w="9525">
+                <a14:hiddenLine xmlns:a14="http://schemas.microsoft.com/office/drawing/2010/main" xmlns="" w="9525">
                   <a:solidFill>
                     <a:srgbClr val="000000"/>
                   </a:solidFill>
@@ -3260,7 +3260,7 @@
             </a:ln>
             <a:extLst>
               <a:ext uri="{91240B29-F687-4f45-9708-019B960494DF}">
-                <a14:hiddenLine xmlns="" xmlns:a14="http://schemas.microsoft.com/office/drawing/2010/main" w="9525">
+                <a14:hiddenLine xmlns:a14="http://schemas.microsoft.com/office/drawing/2010/main" xmlns="" w="9525">
                   <a:solidFill>
                     <a:srgbClr val="000000"/>
                   </a:solidFill>
@@ -3325,7 +3325,7 @@
             </a:ln>
             <a:extLst>
               <a:ext uri="{91240B29-F687-4f45-9708-019B960494DF}">
-                <a14:hiddenLine xmlns="" xmlns:a14="http://schemas.microsoft.com/office/drawing/2010/main" w="9525">
+                <a14:hiddenLine xmlns:a14="http://schemas.microsoft.com/office/drawing/2010/main" xmlns="" w="9525">
                   <a:solidFill>
                     <a:srgbClr val="000000"/>
                   </a:solidFill>
@@ -3415,7 +3415,7 @@
             </a:ln>
             <a:extLst>
               <a:ext uri="{91240B29-F687-4f45-9708-019B960494DF}">
-                <a14:hiddenLine xmlns="" xmlns:a14="http://schemas.microsoft.com/office/drawing/2010/main" w="9525">
+                <a14:hiddenLine xmlns:a14="http://schemas.microsoft.com/office/drawing/2010/main" xmlns="" w="9525">
                   <a:solidFill>
                     <a:srgbClr val="000000"/>
                   </a:solidFill>
@@ -3477,7 +3477,7 @@
             </a:ln>
             <a:extLst>
               <a:ext uri="{91240B29-F687-4f45-9708-019B960494DF}">
-                <a14:hiddenLine xmlns="" xmlns:a14="http://schemas.microsoft.com/office/drawing/2010/main" w="9525">
+                <a14:hiddenLine xmlns:a14="http://schemas.microsoft.com/office/drawing/2010/main" xmlns="" w="9525">
                   <a:solidFill>
                     <a:srgbClr val="000000"/>
                   </a:solidFill>
@@ -3567,7 +3567,7 @@
             </a:ln>
             <a:extLst>
               <a:ext uri="{91240B29-F687-4f45-9708-019B960494DF}">
-                <a14:hiddenLine xmlns="" xmlns:a14="http://schemas.microsoft.com/office/drawing/2010/main" w="9525">
+                <a14:hiddenLine xmlns:a14="http://schemas.microsoft.com/office/drawing/2010/main" xmlns="" w="9525">
                   <a:solidFill>
                     <a:srgbClr val="000000"/>
                   </a:solidFill>
@@ -3657,7 +3657,7 @@
             </a:ln>
             <a:extLst>
               <a:ext uri="{91240B29-F687-4f45-9708-019B960494DF}">
-                <a14:hiddenLine xmlns="" xmlns:a14="http://schemas.microsoft.com/office/drawing/2010/main" w="9525">
+                <a14:hiddenLine xmlns:a14="http://schemas.microsoft.com/office/drawing/2010/main" xmlns="" w="9525">
                   <a:solidFill>
                     <a:srgbClr val="000000"/>
                   </a:solidFill>
@@ -3722,7 +3722,7 @@
             </a:ln>
             <a:extLst>
               <a:ext uri="{91240B29-F687-4f45-9708-019B960494DF}">
-                <a14:hiddenLine xmlns="" xmlns:a14="http://schemas.microsoft.com/office/drawing/2010/main" w="9525">
+                <a14:hiddenLine xmlns:a14="http://schemas.microsoft.com/office/drawing/2010/main" xmlns="" w="9525">
                   <a:solidFill>
                     <a:srgbClr val="000000"/>
                   </a:solidFill>
@@ -3784,7 +3784,7 @@
             </a:ln>
             <a:extLst>
               <a:ext uri="{91240B29-F687-4f45-9708-019B960494DF}">
-                <a14:hiddenLine xmlns="" xmlns:a14="http://schemas.microsoft.com/office/drawing/2010/main" w="9525">
+                <a14:hiddenLine xmlns:a14="http://schemas.microsoft.com/office/drawing/2010/main" xmlns="" w="9525">
                   <a:solidFill>
                     <a:srgbClr val="000000"/>
                   </a:solidFill>
@@ -3874,7 +3874,7 @@
             </a:ln>
             <a:extLst>
               <a:ext uri="{91240B29-F687-4f45-9708-019B960494DF}">
-                <a14:hiddenLine xmlns="" xmlns:a14="http://schemas.microsoft.com/office/drawing/2010/main" w="9525">
+                <a14:hiddenLine xmlns:a14="http://schemas.microsoft.com/office/drawing/2010/main" xmlns="" w="9525">
                   <a:solidFill>
                     <a:srgbClr val="000000"/>
                   </a:solidFill>
@@ -3964,7 +3964,7 @@
             </a:ln>
             <a:extLst>
               <a:ext uri="{91240B29-F687-4f45-9708-019B960494DF}">
-                <a14:hiddenLine xmlns="" xmlns:a14="http://schemas.microsoft.com/office/drawing/2010/main" w="9525">
+                <a14:hiddenLine xmlns:a14="http://schemas.microsoft.com/office/drawing/2010/main" xmlns="" w="9525">
                   <a:solidFill>
                     <a:srgbClr val="000000"/>
                   </a:solidFill>
@@ -4026,7 +4026,7 @@
             </a:ln>
             <a:extLst>
               <a:ext uri="{91240B29-F687-4f45-9708-019B960494DF}">
-                <a14:hiddenLine xmlns="" xmlns:a14="http://schemas.microsoft.com/office/drawing/2010/main" w="9525">
+                <a14:hiddenLine xmlns:a14="http://schemas.microsoft.com/office/drawing/2010/main" xmlns="" w="9525">
                   <a:solidFill>
                     <a:srgbClr val="000000"/>
                   </a:solidFill>
@@ -4146,7 +4146,7 @@
             </a:ln>
             <a:extLst>
               <a:ext uri="{91240B29-F687-4f45-9708-019B960494DF}">
-                <a14:hiddenLine xmlns="" xmlns:a14="http://schemas.microsoft.com/office/drawing/2010/main" w="9525">
+                <a14:hiddenLine xmlns:a14="http://schemas.microsoft.com/office/drawing/2010/main" xmlns="" w="9525">
                   <a:solidFill>
                     <a:srgbClr val="000000"/>
                   </a:solidFill>
@@ -4214,7 +4214,7 @@
             </a:ln>
             <a:extLst>
               <a:ext uri="{91240B29-F687-4f45-9708-019B960494DF}">
-                <a14:hiddenLine xmlns="" xmlns:a14="http://schemas.microsoft.com/office/drawing/2010/main" w="9525">
+                <a14:hiddenLine xmlns:a14="http://schemas.microsoft.com/office/drawing/2010/main" xmlns="" w="9525">
                   <a:solidFill>
                     <a:srgbClr val="000000"/>
                   </a:solidFill>
@@ -4304,7 +4304,7 @@
             </a:ln>
             <a:extLst>
               <a:ext uri="{91240B29-F687-4f45-9708-019B960494DF}">
-                <a14:hiddenLine xmlns="" xmlns:a14="http://schemas.microsoft.com/office/drawing/2010/main" w="9525">
+                <a14:hiddenLine xmlns:a14="http://schemas.microsoft.com/office/drawing/2010/main" xmlns="" w="9525">
                   <a:solidFill>
                     <a:srgbClr val="000000"/>
                   </a:solidFill>
@@ -4444,7 +4444,7 @@
           <a:p>
             <a:fld id="{48A87A34-81AB-432B-8DAE-1953F412C126}" type="datetimeFigureOut">
               <a:rPr lang="en-US" dirty="0"/>
-              <a:t>8/15/2018</a:t>
+              <a:t>8/28/18</a:t>
             </a:fld>
             <a:endParaRPr lang="en-US" dirty="0"/>
           </a:p>
@@ -4706,7 +4706,7 @@
           <a:p>
             <a:fld id="{48A87A34-81AB-432B-8DAE-1953F412C126}" type="datetimeFigureOut">
               <a:rPr lang="en-US" dirty="0"/>
-              <a:t>8/15/2018</a:t>
+              <a:t>8/28/18</a:t>
             </a:fld>
             <a:endParaRPr lang="en-US" dirty="0"/>
           </a:p>
@@ -4897,7 +4897,7 @@
           <a:p>
             <a:fld id="{48A87A34-81AB-432B-8DAE-1953F412C126}" type="datetimeFigureOut">
               <a:rPr lang="en-US" dirty="0"/>
-              <a:t>8/15/2018</a:t>
+              <a:t>8/28/18</a:t>
             </a:fld>
             <a:endParaRPr lang="en-US" dirty="0"/>
           </a:p>
@@ -5155,7 +5155,7 @@
           <a:p>
             <a:fld id="{48A87A34-81AB-432B-8DAE-1953F412C126}" type="datetimeFigureOut">
               <a:rPr lang="en-US" dirty="0"/>
-              <a:t>8/15/2018</a:t>
+              <a:t>8/28/18</a:t>
             </a:fld>
             <a:endParaRPr lang="en-US" dirty="0"/>
           </a:p>
@@ -5584,7 +5584,7 @@
           <a:p>
             <a:fld id="{48A87A34-81AB-432B-8DAE-1953F412C126}" type="datetimeFigureOut">
               <a:rPr lang="en-US" dirty="0"/>
-              <a:t>8/15/2018</a:t>
+              <a:t>8/28/18</a:t>
             </a:fld>
             <a:endParaRPr lang="en-US" dirty="0"/>
           </a:p>
@@ -6125,7 +6125,7 @@
           <a:p>
             <a:fld id="{48A87A34-81AB-432B-8DAE-1953F412C126}" type="datetimeFigureOut">
               <a:rPr lang="en-US" dirty="0"/>
-              <a:t>8/15/2018</a:t>
+              <a:t>8/28/18</a:t>
             </a:fld>
             <a:endParaRPr lang="en-US" dirty="0"/>
           </a:p>
@@ -6840,7 +6840,7 @@
           <a:p>
             <a:fld id="{48A87A34-81AB-432B-8DAE-1953F412C126}" type="datetimeFigureOut">
               <a:rPr lang="en-US" dirty="0"/>
-              <a:t>8/15/2018</a:t>
+              <a:t>8/28/18</a:t>
             </a:fld>
             <a:endParaRPr lang="en-US" dirty="0"/>
           </a:p>
@@ -7005,7 +7005,7 @@
           <a:p>
             <a:fld id="{48A87A34-81AB-432B-8DAE-1953F412C126}" type="datetimeFigureOut">
               <a:rPr lang="en-US" dirty="0"/>
-              <a:t>8/15/2018</a:t>
+              <a:t>8/28/18</a:t>
             </a:fld>
             <a:endParaRPr lang="en-US" dirty="0"/>
           </a:p>
@@ -7180,7 +7180,7 @@
           <a:p>
             <a:fld id="{48A87A34-81AB-432B-8DAE-1953F412C126}" type="datetimeFigureOut">
               <a:rPr lang="en-US" dirty="0"/>
-              <a:t>8/15/2018</a:t>
+              <a:t>8/28/18</a:t>
             </a:fld>
             <a:endParaRPr lang="en-US" dirty="0"/>
           </a:p>
@@ -7345,7 +7345,7 @@
           <a:p>
             <a:fld id="{48A87A34-81AB-432B-8DAE-1953F412C126}" type="datetimeFigureOut">
               <a:rPr lang="en-US" dirty="0"/>
-              <a:t>8/15/2018</a:t>
+              <a:t>8/28/18</a:t>
             </a:fld>
             <a:endParaRPr lang="en-US" dirty="0"/>
           </a:p>
@@ -7590,7 +7590,7 @@
           <a:p>
             <a:fld id="{48A87A34-81AB-432B-8DAE-1953F412C126}" type="datetimeFigureOut">
               <a:rPr lang="en-US" dirty="0"/>
-              <a:t>8/15/2018</a:t>
+              <a:t>8/28/18</a:t>
             </a:fld>
             <a:endParaRPr lang="en-US" dirty="0"/>
           </a:p>
@@ -7817,7 +7817,7 @@
           <a:p>
             <a:fld id="{48A87A34-81AB-432B-8DAE-1953F412C126}" type="datetimeFigureOut">
               <a:rPr lang="en-US" dirty="0"/>
-              <a:t>8/15/2018</a:t>
+              <a:t>8/28/18</a:t>
             </a:fld>
             <a:endParaRPr lang="en-US" dirty="0"/>
           </a:p>
@@ -8193,7 +8193,7 @@
           <a:p>
             <a:fld id="{48A87A34-81AB-432B-8DAE-1953F412C126}" type="datetimeFigureOut">
               <a:rPr lang="en-US" dirty="0"/>
-              <a:t>8/15/2018</a:t>
+              <a:t>8/28/18</a:t>
             </a:fld>
             <a:endParaRPr lang="en-US" dirty="0"/>
           </a:p>
@@ -8306,7 +8306,7 @@
           <a:p>
             <a:fld id="{48A87A34-81AB-432B-8DAE-1953F412C126}" type="datetimeFigureOut">
               <a:rPr lang="en-US" dirty="0"/>
-              <a:t>8/15/2018</a:t>
+              <a:t>8/28/18</a:t>
             </a:fld>
             <a:endParaRPr lang="en-US" dirty="0"/>
           </a:p>
@@ -8396,7 +8396,7 @@
           <a:p>
             <a:fld id="{48A87A34-81AB-432B-8DAE-1953F412C126}" type="datetimeFigureOut">
               <a:rPr lang="en-US" dirty="0"/>
-              <a:t>8/15/2018</a:t>
+              <a:t>8/28/18</a:t>
             </a:fld>
             <a:endParaRPr lang="en-US" dirty="0"/>
           </a:p>
@@ -8640,7 +8640,7 @@
           <a:p>
             <a:fld id="{48A87A34-81AB-432B-8DAE-1953F412C126}" type="datetimeFigureOut">
               <a:rPr lang="en-US" dirty="0"/>
-              <a:t>8/15/2018</a:t>
+              <a:t>8/28/18</a:t>
             </a:fld>
             <a:endParaRPr lang="en-US" dirty="0"/>
           </a:p>
@@ -8915,7 +8915,7 @@
           <a:p>
             <a:fld id="{48A87A34-81AB-432B-8DAE-1953F412C126}" type="datetimeFigureOut">
               <a:rPr lang="en-US" dirty="0"/>
-              <a:t>8/15/2018</a:t>
+              <a:t>8/28/18</a:t>
             </a:fld>
             <a:endParaRPr lang="en-US" dirty="0"/>
           </a:p>
@@ -9033,7 +9033,7 @@
           <a:noFill/>
           <a:extLst>
             <a:ext uri="{909E8E84-426E-40dd-AFC4-6F175D3DCCD1}">
-              <a14:hiddenFill xmlns="" xmlns:a14="http://schemas.microsoft.com/office/drawing/2010/main">
+              <a14:hiddenFill xmlns:a14="http://schemas.microsoft.com/office/drawing/2010/main" xmlns="">
                 <a:solidFill>
                   <a:srgbClr val="FFFFFF"/>
                 </a:solidFill>
@@ -9107,7 +9107,7 @@
               </a:ln>
               <a:extLst>
                 <a:ext uri="{91240B29-F687-4f45-9708-019B960494DF}">
-                  <a14:hiddenLine xmlns="" xmlns:a14="http://schemas.microsoft.com/office/drawing/2010/main" w="9525">
+                  <a14:hiddenLine xmlns:a14="http://schemas.microsoft.com/office/drawing/2010/main" xmlns="" w="9525">
                     <a:solidFill>
                       <a:srgbClr val="000000"/>
                     </a:solidFill>
@@ -9197,7 +9197,7 @@
               </a:ln>
               <a:extLst>
                 <a:ext uri="{91240B29-F687-4f45-9708-019B960494DF}">
-                  <a14:hiddenLine xmlns="" xmlns:a14="http://schemas.microsoft.com/office/drawing/2010/main" w="9525">
+                  <a14:hiddenLine xmlns:a14="http://schemas.microsoft.com/office/drawing/2010/main" xmlns="" w="9525">
                     <a:solidFill>
                       <a:srgbClr val="000000"/>
                     </a:solidFill>
@@ -9287,7 +9287,7 @@
               </a:ln>
               <a:extLst>
                 <a:ext uri="{91240B29-F687-4f45-9708-019B960494DF}">
-                  <a14:hiddenLine xmlns="" xmlns:a14="http://schemas.microsoft.com/office/drawing/2010/main" w="9525">
+                  <a14:hiddenLine xmlns:a14="http://schemas.microsoft.com/office/drawing/2010/main" xmlns="" w="9525">
                     <a:solidFill>
                       <a:srgbClr val="000000"/>
                     </a:solidFill>
@@ -9349,7 +9349,7 @@
               </a:ln>
               <a:extLst>
                 <a:ext uri="{91240B29-F687-4f45-9708-019B960494DF}">
-                  <a14:hiddenLine xmlns="" xmlns:a14="http://schemas.microsoft.com/office/drawing/2010/main" w="9525">
+                  <a14:hiddenLine xmlns:a14="http://schemas.microsoft.com/office/drawing/2010/main" xmlns="" w="9525">
                     <a:solidFill>
                       <a:srgbClr val="000000"/>
                     </a:solidFill>
@@ -9439,7 +9439,7 @@
               </a:ln>
               <a:extLst>
                 <a:ext uri="{91240B29-F687-4f45-9708-019B960494DF}">
-                  <a14:hiddenLine xmlns="" xmlns:a14="http://schemas.microsoft.com/office/drawing/2010/main" w="9525">
+                  <a14:hiddenLine xmlns:a14="http://schemas.microsoft.com/office/drawing/2010/main" xmlns="" w="9525">
                     <a:solidFill>
                       <a:srgbClr val="000000"/>
                     </a:solidFill>
@@ -9501,7 +9501,7 @@
               </a:ln>
               <a:extLst>
                 <a:ext uri="{91240B29-F687-4f45-9708-019B960494DF}">
-                  <a14:hiddenLine xmlns="" xmlns:a14="http://schemas.microsoft.com/office/drawing/2010/main" w="9525">
+                  <a14:hiddenLine xmlns:a14="http://schemas.microsoft.com/office/drawing/2010/main" xmlns="" w="9525">
                     <a:solidFill>
                       <a:srgbClr val="000000"/>
                     </a:solidFill>
@@ -9563,7 +9563,7 @@
               </a:ln>
               <a:extLst>
                 <a:ext uri="{91240B29-F687-4f45-9708-019B960494DF}">
-                  <a14:hiddenLine xmlns="" xmlns:a14="http://schemas.microsoft.com/office/drawing/2010/main" w="9525">
+                  <a14:hiddenLine xmlns:a14="http://schemas.microsoft.com/office/drawing/2010/main" xmlns="" w="9525">
                     <a:solidFill>
                       <a:srgbClr val="000000"/>
                     </a:solidFill>
@@ -9653,7 +9653,7 @@
               </a:ln>
               <a:extLst>
                 <a:ext uri="{91240B29-F687-4f45-9708-019B960494DF}">
-                  <a14:hiddenLine xmlns="" xmlns:a14="http://schemas.microsoft.com/office/drawing/2010/main" w="9525">
+                  <a14:hiddenLine xmlns:a14="http://schemas.microsoft.com/office/drawing/2010/main" xmlns="" w="9525">
                     <a:solidFill>
                       <a:srgbClr val="000000"/>
                     </a:solidFill>
@@ -9743,7 +9743,7 @@
               </a:ln>
               <a:extLst>
                 <a:ext uri="{91240B29-F687-4f45-9708-019B960494DF}">
-                  <a14:hiddenLine xmlns="" xmlns:a14="http://schemas.microsoft.com/office/drawing/2010/main" w="9525">
+                  <a14:hiddenLine xmlns:a14="http://schemas.microsoft.com/office/drawing/2010/main" xmlns="" w="9525">
                     <a:solidFill>
                       <a:srgbClr val="000000"/>
                     </a:solidFill>
@@ -9805,7 +9805,7 @@
               </a:ln>
               <a:extLst>
                 <a:ext uri="{91240B29-F687-4f45-9708-019B960494DF}">
-                  <a14:hiddenLine xmlns="" xmlns:a14="http://schemas.microsoft.com/office/drawing/2010/main" w="9525">
+                  <a14:hiddenLine xmlns:a14="http://schemas.microsoft.com/office/drawing/2010/main" xmlns="" w="9525">
                     <a:solidFill>
                       <a:srgbClr val="000000"/>
                     </a:solidFill>
@@ -9915,7 +9915,7 @@
               </a:ln>
               <a:extLst>
                 <a:ext uri="{91240B29-F687-4f45-9708-019B960494DF}">
-                  <a14:hiddenLine xmlns="" xmlns:a14="http://schemas.microsoft.com/office/drawing/2010/main" w="9525">
+                  <a14:hiddenLine xmlns:a14="http://schemas.microsoft.com/office/drawing/2010/main" xmlns="" w="9525">
                     <a:solidFill>
                       <a:srgbClr val="000000"/>
                     </a:solidFill>
@@ -9999,7 +9999,7 @@
               </a:ln>
               <a:extLst>
                 <a:ext uri="{91240B29-F687-4f45-9708-019B960494DF}">
-                  <a14:hiddenLine xmlns="" xmlns:a14="http://schemas.microsoft.com/office/drawing/2010/main" w="9525">
+                  <a14:hiddenLine xmlns:a14="http://schemas.microsoft.com/office/drawing/2010/main" xmlns="" w="9525">
                     <a:solidFill>
                       <a:srgbClr val="000000"/>
                     </a:solidFill>
@@ -10061,7 +10061,7 @@
               </a:ln>
               <a:extLst>
                 <a:ext uri="{91240B29-F687-4f45-9708-019B960494DF}">
-                  <a14:hiddenLine xmlns="" xmlns:a14="http://schemas.microsoft.com/office/drawing/2010/main" w="9525">
+                  <a14:hiddenLine xmlns:a14="http://schemas.microsoft.com/office/drawing/2010/main" xmlns="" w="9525">
                     <a:solidFill>
                       <a:srgbClr val="000000"/>
                     </a:solidFill>
@@ -10123,7 +10123,7 @@
               </a:ln>
               <a:extLst>
                 <a:ext uri="{91240B29-F687-4f45-9708-019B960494DF}">
-                  <a14:hiddenLine xmlns="" xmlns:a14="http://schemas.microsoft.com/office/drawing/2010/main" w="9525">
+                  <a14:hiddenLine xmlns:a14="http://schemas.microsoft.com/office/drawing/2010/main" xmlns="" w="9525">
                     <a:solidFill>
                       <a:srgbClr val="000000"/>
                     </a:solidFill>
@@ -10213,7 +10213,7 @@
               </a:ln>
               <a:extLst>
                 <a:ext uri="{91240B29-F687-4f45-9708-019B960494DF}">
-                  <a14:hiddenLine xmlns="" xmlns:a14="http://schemas.microsoft.com/office/drawing/2010/main" w="9525">
+                  <a14:hiddenLine xmlns:a14="http://schemas.microsoft.com/office/drawing/2010/main" xmlns="" w="9525">
                     <a:solidFill>
                       <a:srgbClr val="000000"/>
                     </a:solidFill>
@@ -10247,7 +10247,7 @@
               </a:ln>
               <a:extLst>
                 <a:ext uri="{91240B29-F687-4f45-9708-019B960494DF}">
-                  <a14:hiddenLine xmlns="" xmlns:a14="http://schemas.microsoft.com/office/drawing/2010/main" w="9525">
+                  <a14:hiddenLine xmlns:a14="http://schemas.microsoft.com/office/drawing/2010/main" xmlns="" w="9525">
                     <a:solidFill>
                       <a:srgbClr val="000000"/>
                     </a:solidFill>
@@ -10312,7 +10312,7 @@
               </a:ln>
               <a:extLst>
                 <a:ext uri="{91240B29-F687-4f45-9708-019B960494DF}">
-                  <a14:hiddenLine xmlns="" xmlns:a14="http://schemas.microsoft.com/office/drawing/2010/main" w="9525">
+                  <a14:hiddenLine xmlns:a14="http://schemas.microsoft.com/office/drawing/2010/main" xmlns="" w="9525">
                     <a:solidFill>
                       <a:srgbClr val="000000"/>
                     </a:solidFill>
@@ -10402,7 +10402,7 @@
               </a:ln>
               <a:extLst>
                 <a:ext uri="{91240B29-F687-4f45-9708-019B960494DF}">
-                  <a14:hiddenLine xmlns="" xmlns:a14="http://schemas.microsoft.com/office/drawing/2010/main" w="9525">
+                  <a14:hiddenLine xmlns:a14="http://schemas.microsoft.com/office/drawing/2010/main" xmlns="" w="9525">
                     <a:solidFill>
                       <a:srgbClr val="000000"/>
                     </a:solidFill>
@@ -10464,7 +10464,7 @@
               </a:ln>
               <a:extLst>
                 <a:ext uri="{91240B29-F687-4f45-9708-019B960494DF}">
-                  <a14:hiddenLine xmlns="" xmlns:a14="http://schemas.microsoft.com/office/drawing/2010/main" w="9525">
+                  <a14:hiddenLine xmlns:a14="http://schemas.microsoft.com/office/drawing/2010/main" xmlns="" w="9525">
                     <a:solidFill>
                       <a:srgbClr val="000000"/>
                     </a:solidFill>
@@ -10554,7 +10554,7 @@
               </a:ln>
               <a:extLst>
                 <a:ext uri="{91240B29-F687-4f45-9708-019B960494DF}">
-                  <a14:hiddenLine xmlns="" xmlns:a14="http://schemas.microsoft.com/office/drawing/2010/main" w="9525">
+                  <a14:hiddenLine xmlns:a14="http://schemas.microsoft.com/office/drawing/2010/main" xmlns="" w="9525">
                     <a:solidFill>
                       <a:srgbClr val="000000"/>
                     </a:solidFill>
@@ -10619,7 +10619,7 @@
               </a:ln>
               <a:extLst>
                 <a:ext uri="{91240B29-F687-4f45-9708-019B960494DF}">
-                  <a14:hiddenLine xmlns="" xmlns:a14="http://schemas.microsoft.com/office/drawing/2010/main" w="9525">
+                  <a14:hiddenLine xmlns:a14="http://schemas.microsoft.com/office/drawing/2010/main" xmlns="" w="9525">
                     <a:solidFill>
                       <a:srgbClr val="000000"/>
                     </a:solidFill>
@@ -10681,7 +10681,7 @@
               </a:ln>
               <a:extLst>
                 <a:ext uri="{91240B29-F687-4f45-9708-019B960494DF}">
-                  <a14:hiddenLine xmlns="" xmlns:a14="http://schemas.microsoft.com/office/drawing/2010/main" w="9525">
+                  <a14:hiddenLine xmlns:a14="http://schemas.microsoft.com/office/drawing/2010/main" xmlns="" w="9525">
                     <a:solidFill>
                       <a:srgbClr val="000000"/>
                     </a:solidFill>
@@ -10771,7 +10771,7 @@
               </a:ln>
               <a:extLst>
                 <a:ext uri="{91240B29-F687-4f45-9708-019B960494DF}">
-                  <a14:hiddenLine xmlns="" xmlns:a14="http://schemas.microsoft.com/office/drawing/2010/main" w="9525">
+                  <a14:hiddenLine xmlns:a14="http://schemas.microsoft.com/office/drawing/2010/main" xmlns="" w="9525">
                     <a:solidFill>
                       <a:srgbClr val="000000"/>
                     </a:solidFill>
@@ -10861,7 +10861,7 @@
               </a:ln>
               <a:extLst>
                 <a:ext uri="{91240B29-F687-4f45-9708-019B960494DF}">
-                  <a14:hiddenLine xmlns="" xmlns:a14="http://schemas.microsoft.com/office/drawing/2010/main" w="9525">
+                  <a14:hiddenLine xmlns:a14="http://schemas.microsoft.com/office/drawing/2010/main" xmlns="" w="9525">
                     <a:solidFill>
                       <a:srgbClr val="000000"/>
                     </a:solidFill>
@@ -10926,7 +10926,7 @@
               </a:ln>
               <a:extLst>
                 <a:ext uri="{91240B29-F687-4f45-9708-019B960494DF}">
-                  <a14:hiddenLine xmlns="" xmlns:a14="http://schemas.microsoft.com/office/drawing/2010/main" w="9525">
+                  <a14:hiddenLine xmlns:a14="http://schemas.microsoft.com/office/drawing/2010/main" xmlns="" w="9525">
                     <a:solidFill>
                       <a:srgbClr val="000000"/>
                     </a:solidFill>
@@ -11046,7 +11046,7 @@
               </a:ln>
               <a:extLst>
                 <a:ext uri="{91240B29-F687-4f45-9708-019B960494DF}">
-                  <a14:hiddenLine xmlns="" xmlns:a14="http://schemas.microsoft.com/office/drawing/2010/main" w="9525">
+                  <a14:hiddenLine xmlns:a14="http://schemas.microsoft.com/office/drawing/2010/main" xmlns="" w="9525">
                     <a:solidFill>
                       <a:srgbClr val="000000"/>
                     </a:solidFill>
@@ -11127,7 +11127,7 @@
               </a:ln>
               <a:extLst>
                 <a:ext uri="{91240B29-F687-4f45-9708-019B960494DF}">
-                  <a14:hiddenLine xmlns="" xmlns:a14="http://schemas.microsoft.com/office/drawing/2010/main" w="9525">
+                  <a14:hiddenLine xmlns:a14="http://schemas.microsoft.com/office/drawing/2010/main" xmlns="" w="9525">
                     <a:solidFill>
                       <a:srgbClr val="000000"/>
                     </a:solidFill>
@@ -11242,7 +11242,7 @@
               </a:ln>
               <a:extLst>
                 <a:ext uri="{91240B29-F687-4f45-9708-019B960494DF}">
-                  <a14:hiddenLine xmlns="" xmlns:a14="http://schemas.microsoft.com/office/drawing/2010/main" w="9525">
+                  <a14:hiddenLine xmlns:a14="http://schemas.microsoft.com/office/drawing/2010/main" xmlns="" w="9525">
                     <a:solidFill>
                       <a:srgbClr val="000000"/>
                     </a:solidFill>
@@ -11332,7 +11332,7 @@
               </a:ln>
               <a:extLst>
                 <a:ext uri="{91240B29-F687-4f45-9708-019B960494DF}">
-                  <a14:hiddenLine xmlns="" xmlns:a14="http://schemas.microsoft.com/office/drawing/2010/main" w="9525">
+                  <a14:hiddenLine xmlns:a14="http://schemas.microsoft.com/office/drawing/2010/main" xmlns="" w="9525">
                     <a:solidFill>
                       <a:srgbClr val="000000"/>
                     </a:solidFill>
@@ -11397,7 +11397,7 @@
               </a:ln>
               <a:extLst>
                 <a:ext uri="{91240B29-F687-4f45-9708-019B960494DF}">
-                  <a14:hiddenLine xmlns="" xmlns:a14="http://schemas.microsoft.com/office/drawing/2010/main" w="9525">
+                  <a14:hiddenLine xmlns:a14="http://schemas.microsoft.com/office/drawing/2010/main" xmlns="" w="9525">
                     <a:solidFill>
                       <a:srgbClr val="000000"/>
                     </a:solidFill>
@@ -11487,7 +11487,7 @@
               </a:ln>
               <a:extLst>
                 <a:ext uri="{91240B29-F687-4f45-9708-019B960494DF}">
-                  <a14:hiddenLine xmlns="" xmlns:a14="http://schemas.microsoft.com/office/drawing/2010/main" w="9525">
+                  <a14:hiddenLine xmlns:a14="http://schemas.microsoft.com/office/drawing/2010/main" xmlns="" w="9525">
                     <a:solidFill>
                       <a:srgbClr val="000000"/>
                     </a:solidFill>
@@ -11555,7 +11555,7 @@
               </a:ln>
               <a:extLst>
                 <a:ext uri="{91240B29-F687-4f45-9708-019B960494DF}">
-                  <a14:hiddenLine xmlns="" xmlns:a14="http://schemas.microsoft.com/office/drawing/2010/main" w="9525">
+                  <a14:hiddenLine xmlns:a14="http://schemas.microsoft.com/office/drawing/2010/main" xmlns="" w="9525">
                     <a:solidFill>
                       <a:srgbClr val="000000"/>
                     </a:solidFill>
@@ -11645,7 +11645,7 @@
               </a:ln>
               <a:extLst>
                 <a:ext uri="{91240B29-F687-4f45-9708-019B960494DF}">
-                  <a14:hiddenLine xmlns="" xmlns:a14="http://schemas.microsoft.com/office/drawing/2010/main" w="9525">
+                  <a14:hiddenLine xmlns:a14="http://schemas.microsoft.com/office/drawing/2010/main" xmlns="" w="9525">
                     <a:solidFill>
                       <a:srgbClr val="000000"/>
                     </a:solidFill>
@@ -11713,7 +11713,7 @@
               </a:ln>
               <a:extLst>
                 <a:ext uri="{91240B29-F687-4f45-9708-019B960494DF}">
-                  <a14:hiddenLine xmlns="" xmlns:a14="http://schemas.microsoft.com/office/drawing/2010/main" w="9525">
+                  <a14:hiddenLine xmlns:a14="http://schemas.microsoft.com/office/drawing/2010/main" xmlns="" w="9525">
                     <a:solidFill>
                       <a:srgbClr val="000000"/>
                     </a:solidFill>
@@ -11803,7 +11803,7 @@
               </a:ln>
               <a:extLst>
                 <a:ext uri="{91240B29-F687-4f45-9708-019B960494DF}">
-                  <a14:hiddenLine xmlns="" xmlns:a14="http://schemas.microsoft.com/office/drawing/2010/main" w="9525">
+                  <a14:hiddenLine xmlns:a14="http://schemas.microsoft.com/office/drawing/2010/main" xmlns="" w="9525">
                     <a:solidFill>
                       <a:srgbClr val="000000"/>
                     </a:solidFill>
@@ -11837,7 +11837,7 @@
               </a:ln>
               <a:extLst>
                 <a:ext uri="{91240B29-F687-4f45-9708-019B960494DF}">
-                  <a14:hiddenLine xmlns="" xmlns:a14="http://schemas.microsoft.com/office/drawing/2010/main" w="9525">
+                  <a14:hiddenLine xmlns:a14="http://schemas.microsoft.com/office/drawing/2010/main" xmlns="" w="9525">
                     <a:solidFill>
                       <a:srgbClr val="000000"/>
                     </a:solidFill>
@@ -11978,7 +11978,7 @@
             <a:fld id="{48A87A34-81AB-432B-8DAE-1953F412C126}" type="datetimeFigureOut">
               <a:rPr lang="en-US" dirty="0"/>
               <a:pPr/>
-              <a:t>8/15/2018</a:t>
+              <a:t>8/28/18</a:t>
             </a:fld>
             <a:endParaRPr lang="en-US" dirty="0"/>
           </a:p>
@@ -12924,7 +12924,7 @@
           <a:p>
             <a:r>
               <a:rPr lang="en-US" dirty="0"/>
-              <a:t>Build once and run anywhere, regardless of underlying OS.</a:t>
+              <a:t>Build once and run anywhere, regardless of underlying OS. (The container runs in its own OS.)</a:t>
             </a:r>
           </a:p>
           <a:p>

--- a/Modules/Module 3 - Intro to Docker/Module 3 - Intro to Docker.pptx
+++ b/Modules/Module 3 - Intro to Docker/Module 3 - Intro to Docker.pptx
@@ -8,9 +8,10 @@
     <p:sldId id="256" r:id="rId2"/>
     <p:sldId id="257" r:id="rId3"/>
     <p:sldId id="258" r:id="rId4"/>
-    <p:sldId id="259" r:id="rId5"/>
-    <p:sldId id="260" r:id="rId6"/>
-    <p:sldId id="261" r:id="rId7"/>
+    <p:sldId id="262" r:id="rId5"/>
+    <p:sldId id="259" r:id="rId6"/>
+    <p:sldId id="260" r:id="rId7"/>
+    <p:sldId id="261" r:id="rId8"/>
   </p:sldIdLst>
   <p:sldSz cx="12192000" cy="6858000"/>
   <p:notesSz cx="6858000" cy="9144000"/>
@@ -117,16 +118,85 @@
 </p:presentation>
 </file>
 
-<file path=ppt/revisionInfo.xml><?xml version="1.0" encoding="utf-8"?>
-<p1510:revInfo xmlns:a="http://schemas.openxmlformats.org/drawingml/2006/main" xmlns:r="http://schemas.openxmlformats.org/officeDocument/2006/relationships" xmlns:p1510="http://schemas.microsoft.com/office/powerpoint/2015/10/main">
-  <p1510:revLst>
-    <p1510:client id="{94C441BF-32BB-40D8-B0A0-D9A0C6DC2320}" v="17" dt="2018-08-15T12:12:00.369"/>
-  </p1510:revLst>
-</p1510:revInfo>
-</file>
-
 <file path=ppt/changesInfos/changesInfo1.xml><?xml version="1.0" encoding="utf-8"?>
 <pc:chgInfo xmlns:a="http://schemas.openxmlformats.org/drawingml/2006/main" xmlns:r="http://schemas.openxmlformats.org/officeDocument/2006/relationships" xmlns:ac="http://schemas.microsoft.com/office/drawing/2013/main/command" xmlns:pc="http://schemas.microsoft.com/office/powerpoint/2013/main/command">
+  <pc:docChgLst>
+    <pc:chgData name="Jim Cheshire" userId="b85fe55d-f0de-4d09-bc19-562bc869f811" providerId="ADAL" clId="{74074431-47E7-425C-817A-5D90985148AD}"/>
+    <pc:docChg chg="custSel addSld modSld">
+      <pc:chgData name="Jim Cheshire" userId="b85fe55d-f0de-4d09-bc19-562bc869f811" providerId="ADAL" clId="{74074431-47E7-425C-817A-5D90985148AD}" dt="2018-09-06T19:51:37.181" v="455" actId="20577"/>
+      <pc:docMkLst>
+        <pc:docMk/>
+      </pc:docMkLst>
+      <pc:sldChg chg="modSp">
+        <pc:chgData name="Jim Cheshire" userId="b85fe55d-f0de-4d09-bc19-562bc869f811" providerId="ADAL" clId="{74074431-47E7-425C-817A-5D90985148AD}" dt="2018-09-06T19:50:29.368" v="362" actId="20577"/>
+        <pc:sldMkLst>
+          <pc:docMk/>
+          <pc:sldMk cId="1182271580" sldId="259"/>
+        </pc:sldMkLst>
+        <pc:spChg chg="mod">
+          <ac:chgData name="Jim Cheshire" userId="b85fe55d-f0de-4d09-bc19-562bc869f811" providerId="ADAL" clId="{74074431-47E7-425C-817A-5D90985148AD}" dt="2018-09-06T19:50:29.368" v="362" actId="20577"/>
+          <ac:spMkLst>
+            <pc:docMk/>
+            <pc:sldMk cId="1182271580" sldId="259"/>
+            <ac:spMk id="3" creationId="{B3C29812-A56D-4699-8CFD-2B0B2DD74174}"/>
+          </ac:spMkLst>
+        </pc:spChg>
+      </pc:sldChg>
+      <pc:sldChg chg="modSp">
+        <pc:chgData name="Jim Cheshire" userId="b85fe55d-f0de-4d09-bc19-562bc869f811" providerId="ADAL" clId="{74074431-47E7-425C-817A-5D90985148AD}" dt="2018-09-06T19:50:52.979" v="372" actId="14"/>
+        <pc:sldMkLst>
+          <pc:docMk/>
+          <pc:sldMk cId="1673969635" sldId="260"/>
+        </pc:sldMkLst>
+        <pc:spChg chg="mod">
+          <ac:chgData name="Jim Cheshire" userId="b85fe55d-f0de-4d09-bc19-562bc869f811" providerId="ADAL" clId="{74074431-47E7-425C-817A-5D90985148AD}" dt="2018-09-06T19:50:52.979" v="372" actId="14"/>
+          <ac:spMkLst>
+            <pc:docMk/>
+            <pc:sldMk cId="1673969635" sldId="260"/>
+            <ac:spMk id="3" creationId="{A6005B60-490C-4F2F-B6BF-A4DEE1FA3E12}"/>
+          </ac:spMkLst>
+        </pc:spChg>
+      </pc:sldChg>
+      <pc:sldChg chg="modSp">
+        <pc:chgData name="Jim Cheshire" userId="b85fe55d-f0de-4d09-bc19-562bc869f811" providerId="ADAL" clId="{74074431-47E7-425C-817A-5D90985148AD}" dt="2018-09-06T19:51:37.181" v="455" actId="20577"/>
+        <pc:sldMkLst>
+          <pc:docMk/>
+          <pc:sldMk cId="3819841348" sldId="261"/>
+        </pc:sldMkLst>
+        <pc:spChg chg="mod">
+          <ac:chgData name="Jim Cheshire" userId="b85fe55d-f0de-4d09-bc19-562bc869f811" providerId="ADAL" clId="{74074431-47E7-425C-817A-5D90985148AD}" dt="2018-09-06T19:51:37.181" v="455" actId="20577"/>
+          <ac:spMkLst>
+            <pc:docMk/>
+            <pc:sldMk cId="3819841348" sldId="261"/>
+            <ac:spMk id="3" creationId="{12CF734E-7B2C-48BD-8AA0-E7E55265FE13}"/>
+          </ac:spMkLst>
+        </pc:spChg>
+      </pc:sldChg>
+      <pc:sldChg chg="modSp new add">
+        <pc:chgData name="Jim Cheshire" userId="b85fe55d-f0de-4d09-bc19-562bc869f811" providerId="ADAL" clId="{74074431-47E7-425C-817A-5D90985148AD}" dt="2018-09-06T19:49:45.341" v="263" actId="20577"/>
+        <pc:sldMkLst>
+          <pc:docMk/>
+          <pc:sldMk cId="351714113" sldId="262"/>
+        </pc:sldMkLst>
+        <pc:spChg chg="mod">
+          <ac:chgData name="Jim Cheshire" userId="b85fe55d-f0de-4d09-bc19-562bc869f811" providerId="ADAL" clId="{74074431-47E7-425C-817A-5D90985148AD}" dt="2018-09-06T19:47:19.664" v="18" actId="20577"/>
+          <ac:spMkLst>
+            <pc:docMk/>
+            <pc:sldMk cId="351714113" sldId="262"/>
+            <ac:spMk id="2" creationId="{5582EEDC-4FDB-4213-B4E1-A1BCB6012382}"/>
+          </ac:spMkLst>
+        </pc:spChg>
+        <pc:spChg chg="mod">
+          <ac:chgData name="Jim Cheshire" userId="b85fe55d-f0de-4d09-bc19-562bc869f811" providerId="ADAL" clId="{74074431-47E7-425C-817A-5D90985148AD}" dt="2018-09-06T19:49:45.341" v="263" actId="20577"/>
+          <ac:spMkLst>
+            <pc:docMk/>
+            <pc:sldMk cId="351714113" sldId="262"/>
+            <ac:spMk id="3" creationId="{90792A49-A99D-4914-BB5F-27E7A5BE199C}"/>
+          </ac:spMkLst>
+        </pc:spChg>
+      </pc:sldChg>
+    </pc:docChg>
+  </pc:docChgLst>
   <pc:docChgLst>
     <pc:chgData name="Jim Cheshire" userId="b85fe55d-f0de-4d09-bc19-562bc869f811" providerId="ADAL" clId="{94C441BF-32BB-40D8-B0A0-D9A0C6DC2320}"/>
     <pc:docChg chg="modSld">
@@ -219,7 +289,7 @@
           <a:noFill/>
           <a:extLst>
             <a:ext uri="{909E8E84-426E-40dd-AFC4-6F175D3DCCD1}">
-              <a14:hiddenFill xmlns:a14="http://schemas.microsoft.com/office/drawing/2010/main" xmlns="">
+              <a14:hiddenFill xmlns="" xmlns:a14="http://schemas.microsoft.com/office/drawing/2010/main">
                 <a:solidFill>
                   <a:srgbClr val="FFFFFF"/>
                 </a:solidFill>
@@ -278,7 +348,7 @@
             </a:ln>
             <a:extLst>
               <a:ext uri="{91240B29-F687-4f45-9708-019B960494DF}">
-                <a14:hiddenLine xmlns:a14="http://schemas.microsoft.com/office/drawing/2010/main" xmlns="" w="9525">
+                <a14:hiddenLine xmlns="" xmlns:a14="http://schemas.microsoft.com/office/drawing/2010/main" w="9525">
                   <a:solidFill>
                     <a:srgbClr val="000000"/>
                   </a:solidFill>
@@ -368,7 +438,7 @@
             </a:ln>
             <a:extLst>
               <a:ext uri="{91240B29-F687-4f45-9708-019B960494DF}">
-                <a14:hiddenLine xmlns:a14="http://schemas.microsoft.com/office/drawing/2010/main" xmlns="" w="9525">
+                <a14:hiddenLine xmlns="" xmlns:a14="http://schemas.microsoft.com/office/drawing/2010/main" w="9525">
                   <a:solidFill>
                     <a:srgbClr val="000000"/>
                   </a:solidFill>
@@ -458,7 +528,7 @@
             </a:ln>
             <a:extLst>
               <a:ext uri="{91240B29-F687-4f45-9708-019B960494DF}">
-                <a14:hiddenLine xmlns:a14="http://schemas.microsoft.com/office/drawing/2010/main" xmlns="" w="9525">
+                <a14:hiddenLine xmlns="" xmlns:a14="http://schemas.microsoft.com/office/drawing/2010/main" w="9525">
                   <a:solidFill>
                     <a:srgbClr val="000000"/>
                   </a:solidFill>
@@ -492,7 +562,7 @@
             </a:ln>
             <a:extLst>
               <a:ext uri="{91240B29-F687-4f45-9708-019B960494DF}">
-                <a14:hiddenLine xmlns:a14="http://schemas.microsoft.com/office/drawing/2010/main" xmlns="" w="9525">
+                <a14:hiddenLine xmlns="" xmlns:a14="http://schemas.microsoft.com/office/drawing/2010/main" w="9525">
                   <a:solidFill>
                     <a:srgbClr val="000000"/>
                   </a:solidFill>
@@ -582,7 +652,7 @@
             </a:ln>
             <a:extLst>
               <a:ext uri="{91240B29-F687-4f45-9708-019B960494DF}">
-                <a14:hiddenLine xmlns:a14="http://schemas.microsoft.com/office/drawing/2010/main" xmlns="" w="9525">
+                <a14:hiddenLine xmlns="" xmlns:a14="http://schemas.microsoft.com/office/drawing/2010/main" w="9525">
                   <a:solidFill>
                     <a:srgbClr val="000000"/>
                   </a:solidFill>
@@ -644,7 +714,7 @@
             </a:ln>
             <a:extLst>
               <a:ext uri="{91240B29-F687-4f45-9708-019B960494DF}">
-                <a14:hiddenLine xmlns:a14="http://schemas.microsoft.com/office/drawing/2010/main" xmlns="" w="9525">
+                <a14:hiddenLine xmlns="" xmlns:a14="http://schemas.microsoft.com/office/drawing/2010/main" w="9525">
                   <a:solidFill>
                     <a:srgbClr val="000000"/>
                   </a:solidFill>
@@ -706,7 +776,7 @@
             </a:ln>
             <a:extLst>
               <a:ext uri="{91240B29-F687-4f45-9708-019B960494DF}">
-                <a14:hiddenLine xmlns:a14="http://schemas.microsoft.com/office/drawing/2010/main" xmlns="" w="9525">
+                <a14:hiddenLine xmlns="" xmlns:a14="http://schemas.microsoft.com/office/drawing/2010/main" w="9525">
                   <a:solidFill>
                     <a:srgbClr val="000000"/>
                   </a:solidFill>
@@ -796,7 +866,7 @@
             </a:ln>
             <a:extLst>
               <a:ext uri="{91240B29-F687-4f45-9708-019B960494DF}">
-                <a14:hiddenLine xmlns:a14="http://schemas.microsoft.com/office/drawing/2010/main" xmlns="" w="9525">
+                <a14:hiddenLine xmlns="" xmlns:a14="http://schemas.microsoft.com/office/drawing/2010/main" w="9525">
                   <a:solidFill>
                     <a:srgbClr val="000000"/>
                   </a:solidFill>
@@ -858,7 +928,7 @@
             </a:ln>
             <a:extLst>
               <a:ext uri="{91240B29-F687-4f45-9708-019B960494DF}">
-                <a14:hiddenLine xmlns:a14="http://schemas.microsoft.com/office/drawing/2010/main" xmlns="" w="9525">
+                <a14:hiddenLine xmlns="" xmlns:a14="http://schemas.microsoft.com/office/drawing/2010/main" w="9525">
                   <a:solidFill>
                     <a:srgbClr val="000000"/>
                   </a:solidFill>
@@ -920,7 +990,7 @@
             </a:ln>
             <a:extLst>
               <a:ext uri="{91240B29-F687-4f45-9708-019B960494DF}">
-                <a14:hiddenLine xmlns:a14="http://schemas.microsoft.com/office/drawing/2010/main" xmlns="" w="9525">
+                <a14:hiddenLine xmlns="" xmlns:a14="http://schemas.microsoft.com/office/drawing/2010/main" w="9525">
                   <a:solidFill>
                     <a:srgbClr val="000000"/>
                   </a:solidFill>
@@ -1010,7 +1080,7 @@
             </a:ln>
             <a:extLst>
               <a:ext uri="{91240B29-F687-4f45-9708-019B960494DF}">
-                <a14:hiddenLine xmlns:a14="http://schemas.microsoft.com/office/drawing/2010/main" xmlns="" w="9525">
+                <a14:hiddenLine xmlns="" xmlns:a14="http://schemas.microsoft.com/office/drawing/2010/main" w="9525">
                   <a:solidFill>
                     <a:srgbClr val="000000"/>
                   </a:solidFill>
@@ -1100,7 +1170,7 @@
             </a:ln>
             <a:extLst>
               <a:ext uri="{91240B29-F687-4f45-9708-019B960494DF}">
-                <a14:hiddenLine xmlns:a14="http://schemas.microsoft.com/office/drawing/2010/main" xmlns="" w="9525">
+                <a14:hiddenLine xmlns="" xmlns:a14="http://schemas.microsoft.com/office/drawing/2010/main" w="9525">
                   <a:solidFill>
                     <a:srgbClr val="000000"/>
                   </a:solidFill>
@@ -1162,7 +1232,7 @@
             </a:ln>
             <a:extLst>
               <a:ext uri="{91240B29-F687-4f45-9708-019B960494DF}">
-                <a14:hiddenLine xmlns:a14="http://schemas.microsoft.com/office/drawing/2010/main" xmlns="" w="9525">
+                <a14:hiddenLine xmlns="" xmlns:a14="http://schemas.microsoft.com/office/drawing/2010/main" w="9525">
                   <a:solidFill>
                     <a:srgbClr val="000000"/>
                   </a:solidFill>
@@ -1272,7 +1342,7 @@
             </a:ln>
             <a:extLst>
               <a:ext uri="{91240B29-F687-4f45-9708-019B960494DF}">
-                <a14:hiddenLine xmlns:a14="http://schemas.microsoft.com/office/drawing/2010/main" xmlns="" w="9525">
+                <a14:hiddenLine xmlns="" xmlns:a14="http://schemas.microsoft.com/office/drawing/2010/main" w="9525">
                   <a:solidFill>
                     <a:srgbClr val="000000"/>
                   </a:solidFill>
@@ -1334,7 +1404,7 @@
             </a:ln>
             <a:extLst>
               <a:ext uri="{91240B29-F687-4f45-9708-019B960494DF}">
-                <a14:hiddenLine xmlns:a14="http://schemas.microsoft.com/office/drawing/2010/main" xmlns="" w="9525">
+                <a14:hiddenLine xmlns="" xmlns:a14="http://schemas.microsoft.com/office/drawing/2010/main" w="9525">
                   <a:solidFill>
                     <a:srgbClr val="000000"/>
                   </a:solidFill>
@@ -1424,7 +1494,7 @@
             </a:ln>
             <a:extLst>
               <a:ext uri="{91240B29-F687-4f45-9708-019B960494DF}">
-                <a14:hiddenLine xmlns:a14="http://schemas.microsoft.com/office/drawing/2010/main" xmlns="" w="9525">
+                <a14:hiddenLine xmlns="" xmlns:a14="http://schemas.microsoft.com/office/drawing/2010/main" w="9525">
                   <a:solidFill>
                     <a:srgbClr val="000000"/>
                   </a:solidFill>
@@ -1514,7 +1584,7 @@
             </a:ln>
             <a:extLst>
               <a:ext uri="{91240B29-F687-4f45-9708-019B960494DF}">
-                <a14:hiddenLine xmlns:a14="http://schemas.microsoft.com/office/drawing/2010/main" xmlns="" w="9525">
+                <a14:hiddenLine xmlns="" xmlns:a14="http://schemas.microsoft.com/office/drawing/2010/main" w="9525">
                   <a:solidFill>
                     <a:srgbClr val="000000"/>
                   </a:solidFill>
@@ -1576,7 +1646,7 @@
             </a:ln>
             <a:extLst>
               <a:ext uri="{91240B29-F687-4f45-9708-019B960494DF}">
-                <a14:hiddenLine xmlns:a14="http://schemas.microsoft.com/office/drawing/2010/main" xmlns="" w="9525">
+                <a14:hiddenLine xmlns="" xmlns:a14="http://schemas.microsoft.com/office/drawing/2010/main" w="9525">
                   <a:solidFill>
                     <a:srgbClr val="000000"/>
                   </a:solidFill>
@@ -1666,7 +1736,7 @@
             </a:ln>
             <a:extLst>
               <a:ext uri="{91240B29-F687-4f45-9708-019B960494DF}">
-                <a14:hiddenLine xmlns:a14="http://schemas.microsoft.com/office/drawing/2010/main" xmlns="" w="9525">
+                <a14:hiddenLine xmlns="" xmlns:a14="http://schemas.microsoft.com/office/drawing/2010/main" w="9525">
                   <a:solidFill>
                     <a:srgbClr val="000000"/>
                   </a:solidFill>
@@ -1756,7 +1826,7 @@
             </a:ln>
             <a:extLst>
               <a:ext uri="{91240B29-F687-4f45-9708-019B960494DF}">
-                <a14:hiddenLine xmlns:a14="http://schemas.microsoft.com/office/drawing/2010/main" xmlns="" w="9525">
+                <a14:hiddenLine xmlns="" xmlns:a14="http://schemas.microsoft.com/office/drawing/2010/main" w="9525">
                   <a:solidFill>
                     <a:srgbClr val="000000"/>
                   </a:solidFill>
@@ -1812,7 +1882,7 @@
             </a:ln>
             <a:extLst>
               <a:ext uri="{91240B29-F687-4f45-9708-019B960494DF}">
-                <a14:hiddenLine xmlns:a14="http://schemas.microsoft.com/office/drawing/2010/main" xmlns="" w="9525">
+                <a14:hiddenLine xmlns="" xmlns:a14="http://schemas.microsoft.com/office/drawing/2010/main" w="9525">
                   <a:solidFill>
                     <a:srgbClr val="000000"/>
                   </a:solidFill>
@@ -1902,7 +1972,7 @@
             </a:ln>
             <a:extLst>
               <a:ext uri="{91240B29-F687-4f45-9708-019B960494DF}">
-                <a14:hiddenLine xmlns:a14="http://schemas.microsoft.com/office/drawing/2010/main" xmlns="" w="9525">
+                <a14:hiddenLine xmlns="" xmlns:a14="http://schemas.microsoft.com/office/drawing/2010/main" w="9525">
                   <a:solidFill>
                     <a:srgbClr val="000000"/>
                   </a:solidFill>
@@ -1958,7 +2028,7 @@
             </a:ln>
             <a:extLst>
               <a:ext uri="{91240B29-F687-4f45-9708-019B960494DF}">
-                <a14:hiddenLine xmlns:a14="http://schemas.microsoft.com/office/drawing/2010/main" xmlns="" w="9525">
+                <a14:hiddenLine xmlns="" xmlns:a14="http://schemas.microsoft.com/office/drawing/2010/main" w="9525">
                   <a:solidFill>
                     <a:srgbClr val="000000"/>
                   </a:solidFill>
@@ -2048,7 +2118,7 @@
             </a:ln>
             <a:extLst>
               <a:ext uri="{91240B29-F687-4f45-9708-019B960494DF}">
-                <a14:hiddenLine xmlns:a14="http://schemas.microsoft.com/office/drawing/2010/main" xmlns="" w="9525">
+                <a14:hiddenLine xmlns="" xmlns:a14="http://schemas.microsoft.com/office/drawing/2010/main" w="9525">
                   <a:solidFill>
                     <a:srgbClr val="000000"/>
                   </a:solidFill>
@@ -2116,7 +2186,7 @@
             </a:ln>
             <a:extLst>
               <a:ext uri="{91240B29-F687-4f45-9708-019B960494DF}">
-                <a14:hiddenLine xmlns:a14="http://schemas.microsoft.com/office/drawing/2010/main" xmlns="" w="9525">
+                <a14:hiddenLine xmlns="" xmlns:a14="http://schemas.microsoft.com/office/drawing/2010/main" w="9525">
                   <a:solidFill>
                     <a:srgbClr val="000000"/>
                   </a:solidFill>
@@ -2206,7 +2276,7 @@
             </a:ln>
             <a:extLst>
               <a:ext uri="{91240B29-F687-4f45-9708-019B960494DF}">
-                <a14:hiddenLine xmlns:a14="http://schemas.microsoft.com/office/drawing/2010/main" xmlns="" w="9525">
+                <a14:hiddenLine xmlns="" xmlns:a14="http://schemas.microsoft.com/office/drawing/2010/main" w="9525">
                   <a:solidFill>
                     <a:srgbClr val="000000"/>
                   </a:solidFill>
@@ -2274,7 +2344,7 @@
             </a:ln>
             <a:extLst>
               <a:ext uri="{91240B29-F687-4f45-9708-019B960494DF}">
-                <a14:hiddenLine xmlns:a14="http://schemas.microsoft.com/office/drawing/2010/main" xmlns="" w="9525">
+                <a14:hiddenLine xmlns="" xmlns:a14="http://schemas.microsoft.com/office/drawing/2010/main" w="9525">
                   <a:solidFill>
                     <a:srgbClr val="000000"/>
                   </a:solidFill>
@@ -2364,7 +2434,7 @@
             </a:ln>
             <a:extLst>
               <a:ext uri="{91240B29-F687-4f45-9708-019B960494DF}">
-                <a14:hiddenLine xmlns:a14="http://schemas.microsoft.com/office/drawing/2010/main" xmlns="" w="9525">
+                <a14:hiddenLine xmlns="" xmlns:a14="http://schemas.microsoft.com/office/drawing/2010/main" w="9525">
                   <a:solidFill>
                     <a:srgbClr val="000000"/>
                   </a:solidFill>
@@ -2398,7 +2468,7 @@
             </a:ln>
             <a:extLst>
               <a:ext uri="{91240B29-F687-4f45-9708-019B960494DF}">
-                <a14:hiddenLine xmlns:a14="http://schemas.microsoft.com/office/drawing/2010/main" xmlns="" w="9525">
+                <a14:hiddenLine xmlns="" xmlns:a14="http://schemas.microsoft.com/office/drawing/2010/main" w="9525">
                   <a:solidFill>
                     <a:srgbClr val="000000"/>
                   </a:solidFill>
@@ -2488,7 +2558,7 @@
             </a:ln>
             <a:extLst>
               <a:ext uri="{91240B29-F687-4f45-9708-019B960494DF}">
-                <a14:hiddenLine xmlns:a14="http://schemas.microsoft.com/office/drawing/2010/main" xmlns="" w="9525">
+                <a14:hiddenLine xmlns="" xmlns:a14="http://schemas.microsoft.com/office/drawing/2010/main" w="9525">
                   <a:solidFill>
                     <a:srgbClr val="000000"/>
                   </a:solidFill>
@@ -2550,7 +2620,7 @@
             </a:ln>
             <a:extLst>
               <a:ext uri="{91240B29-F687-4f45-9708-019B960494DF}">
-                <a14:hiddenLine xmlns:a14="http://schemas.microsoft.com/office/drawing/2010/main" xmlns="" w="9525">
+                <a14:hiddenLine xmlns="" xmlns:a14="http://schemas.microsoft.com/office/drawing/2010/main" w="9525">
                   <a:solidFill>
                     <a:srgbClr val="000000"/>
                   </a:solidFill>
@@ -2612,7 +2682,7 @@
             </a:ln>
             <a:extLst>
               <a:ext uri="{91240B29-F687-4f45-9708-019B960494DF}">
-                <a14:hiddenLine xmlns:a14="http://schemas.microsoft.com/office/drawing/2010/main" xmlns="" w="9525">
+                <a14:hiddenLine xmlns="" xmlns:a14="http://schemas.microsoft.com/office/drawing/2010/main" w="9525">
                   <a:solidFill>
                     <a:srgbClr val="000000"/>
                   </a:solidFill>
@@ -2702,7 +2772,7 @@
             </a:ln>
             <a:extLst>
               <a:ext uri="{91240B29-F687-4f45-9708-019B960494DF}">
-                <a14:hiddenLine xmlns:a14="http://schemas.microsoft.com/office/drawing/2010/main" xmlns="" w="9525">
+                <a14:hiddenLine xmlns="" xmlns:a14="http://schemas.microsoft.com/office/drawing/2010/main" w="9525">
                   <a:solidFill>
                     <a:srgbClr val="000000"/>
                   </a:solidFill>
@@ -2770,7 +2840,7 @@
             </a:ln>
             <a:extLst>
               <a:ext uri="{91240B29-F687-4f45-9708-019B960494DF}">
-                <a14:hiddenLine xmlns:a14="http://schemas.microsoft.com/office/drawing/2010/main" xmlns="" w="9525">
+                <a14:hiddenLine xmlns="" xmlns:a14="http://schemas.microsoft.com/office/drawing/2010/main" w="9525">
                   <a:solidFill>
                     <a:srgbClr val="000000"/>
                   </a:solidFill>
@@ -2832,7 +2902,7 @@
             </a:ln>
             <a:extLst>
               <a:ext uri="{91240B29-F687-4f45-9708-019B960494DF}">
-                <a14:hiddenLine xmlns:a14="http://schemas.microsoft.com/office/drawing/2010/main" xmlns="" w="9525">
+                <a14:hiddenLine xmlns="" xmlns:a14="http://schemas.microsoft.com/office/drawing/2010/main" w="9525">
                   <a:solidFill>
                     <a:srgbClr val="000000"/>
                   </a:solidFill>
@@ -2922,7 +2992,7 @@
             </a:ln>
             <a:extLst>
               <a:ext uri="{91240B29-F687-4f45-9708-019B960494DF}">
-                <a14:hiddenLine xmlns:a14="http://schemas.microsoft.com/office/drawing/2010/main" xmlns="" w="9525">
+                <a14:hiddenLine xmlns="" xmlns:a14="http://schemas.microsoft.com/office/drawing/2010/main" w="9525">
                   <a:solidFill>
                     <a:srgbClr val="000000"/>
                   </a:solidFill>
@@ -2984,7 +3054,7 @@
             </a:ln>
             <a:extLst>
               <a:ext uri="{91240B29-F687-4f45-9708-019B960494DF}">
-                <a14:hiddenLine xmlns:a14="http://schemas.microsoft.com/office/drawing/2010/main" xmlns="" w="9525">
+                <a14:hiddenLine xmlns="" xmlns:a14="http://schemas.microsoft.com/office/drawing/2010/main" w="9525">
                   <a:solidFill>
                     <a:srgbClr val="000000"/>
                   </a:solidFill>
@@ -3074,7 +3144,7 @@
             </a:ln>
             <a:extLst>
               <a:ext uri="{91240B29-F687-4f45-9708-019B960494DF}">
-                <a14:hiddenLine xmlns:a14="http://schemas.microsoft.com/office/drawing/2010/main" xmlns="" w="9525">
+                <a14:hiddenLine xmlns="" xmlns:a14="http://schemas.microsoft.com/office/drawing/2010/main" w="9525">
                   <a:solidFill>
                     <a:srgbClr val="000000"/>
                   </a:solidFill>
@@ -3136,7 +3206,7 @@
             </a:ln>
             <a:extLst>
               <a:ext uri="{91240B29-F687-4f45-9708-019B960494DF}">
-                <a14:hiddenLine xmlns:a14="http://schemas.microsoft.com/office/drawing/2010/main" xmlns="" w="9525">
+                <a14:hiddenLine xmlns="" xmlns:a14="http://schemas.microsoft.com/office/drawing/2010/main" w="9525">
                   <a:solidFill>
                     <a:srgbClr val="000000"/>
                   </a:solidFill>
@@ -3226,7 +3296,7 @@
             </a:ln>
             <a:extLst>
               <a:ext uri="{91240B29-F687-4f45-9708-019B960494DF}">
-                <a14:hiddenLine xmlns:a14="http://schemas.microsoft.com/office/drawing/2010/main" xmlns="" w="9525">
+                <a14:hiddenLine xmlns="" xmlns:a14="http://schemas.microsoft.com/office/drawing/2010/main" w="9525">
                   <a:solidFill>
                     <a:srgbClr val="000000"/>
                   </a:solidFill>
@@ -3260,7 +3330,7 @@
             </a:ln>
             <a:extLst>
               <a:ext uri="{91240B29-F687-4f45-9708-019B960494DF}">
-                <a14:hiddenLine xmlns:a14="http://schemas.microsoft.com/office/drawing/2010/main" xmlns="" w="9525">
+                <a14:hiddenLine xmlns="" xmlns:a14="http://schemas.microsoft.com/office/drawing/2010/main" w="9525">
                   <a:solidFill>
                     <a:srgbClr val="000000"/>
                   </a:solidFill>
@@ -3325,7 +3395,7 @@
             </a:ln>
             <a:extLst>
               <a:ext uri="{91240B29-F687-4f45-9708-019B960494DF}">
-                <a14:hiddenLine xmlns:a14="http://schemas.microsoft.com/office/drawing/2010/main" xmlns="" w="9525">
+                <a14:hiddenLine xmlns="" xmlns:a14="http://schemas.microsoft.com/office/drawing/2010/main" w="9525">
                   <a:solidFill>
                     <a:srgbClr val="000000"/>
                   </a:solidFill>
@@ -3415,7 +3485,7 @@
             </a:ln>
             <a:extLst>
               <a:ext uri="{91240B29-F687-4f45-9708-019B960494DF}">
-                <a14:hiddenLine xmlns:a14="http://schemas.microsoft.com/office/drawing/2010/main" xmlns="" w="9525">
+                <a14:hiddenLine xmlns="" xmlns:a14="http://schemas.microsoft.com/office/drawing/2010/main" w="9525">
                   <a:solidFill>
                     <a:srgbClr val="000000"/>
                   </a:solidFill>
@@ -3477,7 +3547,7 @@
             </a:ln>
             <a:extLst>
               <a:ext uri="{91240B29-F687-4f45-9708-019B960494DF}">
-                <a14:hiddenLine xmlns:a14="http://schemas.microsoft.com/office/drawing/2010/main" xmlns="" w="9525">
+                <a14:hiddenLine xmlns="" xmlns:a14="http://schemas.microsoft.com/office/drawing/2010/main" w="9525">
                   <a:solidFill>
                     <a:srgbClr val="000000"/>
                   </a:solidFill>
@@ -3567,7 +3637,7 @@
             </a:ln>
             <a:extLst>
               <a:ext uri="{91240B29-F687-4f45-9708-019B960494DF}">
-                <a14:hiddenLine xmlns:a14="http://schemas.microsoft.com/office/drawing/2010/main" xmlns="" w="9525">
+                <a14:hiddenLine xmlns="" xmlns:a14="http://schemas.microsoft.com/office/drawing/2010/main" w="9525">
                   <a:solidFill>
                     <a:srgbClr val="000000"/>
                   </a:solidFill>
@@ -3657,7 +3727,7 @@
             </a:ln>
             <a:extLst>
               <a:ext uri="{91240B29-F687-4f45-9708-019B960494DF}">
-                <a14:hiddenLine xmlns:a14="http://schemas.microsoft.com/office/drawing/2010/main" xmlns="" w="9525">
+                <a14:hiddenLine xmlns="" xmlns:a14="http://schemas.microsoft.com/office/drawing/2010/main" w="9525">
                   <a:solidFill>
                     <a:srgbClr val="000000"/>
                   </a:solidFill>
@@ -3722,7 +3792,7 @@
             </a:ln>
             <a:extLst>
               <a:ext uri="{91240B29-F687-4f45-9708-019B960494DF}">
-                <a14:hiddenLine xmlns:a14="http://schemas.microsoft.com/office/drawing/2010/main" xmlns="" w="9525">
+                <a14:hiddenLine xmlns="" xmlns:a14="http://schemas.microsoft.com/office/drawing/2010/main" w="9525">
                   <a:solidFill>
                     <a:srgbClr val="000000"/>
                   </a:solidFill>
@@ -3784,7 +3854,7 @@
             </a:ln>
             <a:extLst>
               <a:ext uri="{91240B29-F687-4f45-9708-019B960494DF}">
-                <a14:hiddenLine xmlns:a14="http://schemas.microsoft.com/office/drawing/2010/main" xmlns="" w="9525">
+                <a14:hiddenLine xmlns="" xmlns:a14="http://schemas.microsoft.com/office/drawing/2010/main" w="9525">
                   <a:solidFill>
                     <a:srgbClr val="000000"/>
                   </a:solidFill>
@@ -3874,7 +3944,7 @@
             </a:ln>
             <a:extLst>
               <a:ext uri="{91240B29-F687-4f45-9708-019B960494DF}">
-                <a14:hiddenLine xmlns:a14="http://schemas.microsoft.com/office/drawing/2010/main" xmlns="" w="9525">
+                <a14:hiddenLine xmlns="" xmlns:a14="http://schemas.microsoft.com/office/drawing/2010/main" w="9525">
                   <a:solidFill>
                     <a:srgbClr val="000000"/>
                   </a:solidFill>
@@ -3964,7 +4034,7 @@
             </a:ln>
             <a:extLst>
               <a:ext uri="{91240B29-F687-4f45-9708-019B960494DF}">
-                <a14:hiddenLine xmlns:a14="http://schemas.microsoft.com/office/drawing/2010/main" xmlns="" w="9525">
+                <a14:hiddenLine xmlns="" xmlns:a14="http://schemas.microsoft.com/office/drawing/2010/main" w="9525">
                   <a:solidFill>
                     <a:srgbClr val="000000"/>
                   </a:solidFill>
@@ -4026,7 +4096,7 @@
             </a:ln>
             <a:extLst>
               <a:ext uri="{91240B29-F687-4f45-9708-019B960494DF}">
-                <a14:hiddenLine xmlns:a14="http://schemas.microsoft.com/office/drawing/2010/main" xmlns="" w="9525">
+                <a14:hiddenLine xmlns="" xmlns:a14="http://schemas.microsoft.com/office/drawing/2010/main" w="9525">
                   <a:solidFill>
                     <a:srgbClr val="000000"/>
                   </a:solidFill>
@@ -4146,7 +4216,7 @@
             </a:ln>
             <a:extLst>
               <a:ext uri="{91240B29-F687-4f45-9708-019B960494DF}">
-                <a14:hiddenLine xmlns:a14="http://schemas.microsoft.com/office/drawing/2010/main" xmlns="" w="9525">
+                <a14:hiddenLine xmlns="" xmlns:a14="http://schemas.microsoft.com/office/drawing/2010/main" w="9525">
                   <a:solidFill>
                     <a:srgbClr val="000000"/>
                   </a:solidFill>
@@ -4214,7 +4284,7 @@
             </a:ln>
             <a:extLst>
               <a:ext uri="{91240B29-F687-4f45-9708-019B960494DF}">
-                <a14:hiddenLine xmlns:a14="http://schemas.microsoft.com/office/drawing/2010/main" xmlns="" w="9525">
+                <a14:hiddenLine xmlns="" xmlns:a14="http://schemas.microsoft.com/office/drawing/2010/main" w="9525">
                   <a:solidFill>
                     <a:srgbClr val="000000"/>
                   </a:solidFill>
@@ -4304,7 +4374,7 @@
             </a:ln>
             <a:extLst>
               <a:ext uri="{91240B29-F687-4f45-9708-019B960494DF}">
-                <a14:hiddenLine xmlns:a14="http://schemas.microsoft.com/office/drawing/2010/main" xmlns="" w="9525">
+                <a14:hiddenLine xmlns="" xmlns:a14="http://schemas.microsoft.com/office/drawing/2010/main" w="9525">
                   <a:solidFill>
                     <a:srgbClr val="000000"/>
                   </a:solidFill>
@@ -4444,7 +4514,7 @@
           <a:p>
             <a:fld id="{48A87A34-81AB-432B-8DAE-1953F412C126}" type="datetimeFigureOut">
               <a:rPr lang="en-US" dirty="0"/>
-              <a:t>8/28/18</a:t>
+              <a:t>9/6/2018</a:t>
             </a:fld>
             <a:endParaRPr lang="en-US" dirty="0"/>
           </a:p>
@@ -4706,7 +4776,7 @@
           <a:p>
             <a:fld id="{48A87A34-81AB-432B-8DAE-1953F412C126}" type="datetimeFigureOut">
               <a:rPr lang="en-US" dirty="0"/>
-              <a:t>8/28/18</a:t>
+              <a:t>9/6/2018</a:t>
             </a:fld>
             <a:endParaRPr lang="en-US" dirty="0"/>
           </a:p>
@@ -4897,7 +4967,7 @@
           <a:p>
             <a:fld id="{48A87A34-81AB-432B-8DAE-1953F412C126}" type="datetimeFigureOut">
               <a:rPr lang="en-US" dirty="0"/>
-              <a:t>8/28/18</a:t>
+              <a:t>9/6/2018</a:t>
             </a:fld>
             <a:endParaRPr lang="en-US" dirty="0"/>
           </a:p>
@@ -5155,7 +5225,7 @@
           <a:p>
             <a:fld id="{48A87A34-81AB-432B-8DAE-1953F412C126}" type="datetimeFigureOut">
               <a:rPr lang="en-US" dirty="0"/>
-              <a:t>8/28/18</a:t>
+              <a:t>9/6/2018</a:t>
             </a:fld>
             <a:endParaRPr lang="en-US" dirty="0"/>
           </a:p>
@@ -5584,7 +5654,7 @@
           <a:p>
             <a:fld id="{48A87A34-81AB-432B-8DAE-1953F412C126}" type="datetimeFigureOut">
               <a:rPr lang="en-US" dirty="0"/>
-              <a:t>8/28/18</a:t>
+              <a:t>9/6/2018</a:t>
             </a:fld>
             <a:endParaRPr lang="en-US" dirty="0"/>
           </a:p>
@@ -6125,7 +6195,7 @@
           <a:p>
             <a:fld id="{48A87A34-81AB-432B-8DAE-1953F412C126}" type="datetimeFigureOut">
               <a:rPr lang="en-US" dirty="0"/>
-              <a:t>8/28/18</a:t>
+              <a:t>9/6/2018</a:t>
             </a:fld>
             <a:endParaRPr lang="en-US" dirty="0"/>
           </a:p>
@@ -6840,7 +6910,7 @@
           <a:p>
             <a:fld id="{48A87A34-81AB-432B-8DAE-1953F412C126}" type="datetimeFigureOut">
               <a:rPr lang="en-US" dirty="0"/>
-              <a:t>8/28/18</a:t>
+              <a:t>9/6/2018</a:t>
             </a:fld>
             <a:endParaRPr lang="en-US" dirty="0"/>
           </a:p>
@@ -7005,7 +7075,7 @@
           <a:p>
             <a:fld id="{48A87A34-81AB-432B-8DAE-1953F412C126}" type="datetimeFigureOut">
               <a:rPr lang="en-US" dirty="0"/>
-              <a:t>8/28/18</a:t>
+              <a:t>9/6/2018</a:t>
             </a:fld>
             <a:endParaRPr lang="en-US" dirty="0"/>
           </a:p>
@@ -7180,7 +7250,7 @@
           <a:p>
             <a:fld id="{48A87A34-81AB-432B-8DAE-1953F412C126}" type="datetimeFigureOut">
               <a:rPr lang="en-US" dirty="0"/>
-              <a:t>8/28/18</a:t>
+              <a:t>9/6/2018</a:t>
             </a:fld>
             <a:endParaRPr lang="en-US" dirty="0"/>
           </a:p>
@@ -7345,7 +7415,7 @@
           <a:p>
             <a:fld id="{48A87A34-81AB-432B-8DAE-1953F412C126}" type="datetimeFigureOut">
               <a:rPr lang="en-US" dirty="0"/>
-              <a:t>8/28/18</a:t>
+              <a:t>9/6/2018</a:t>
             </a:fld>
             <a:endParaRPr lang="en-US" dirty="0"/>
           </a:p>
@@ -7590,7 +7660,7 @@
           <a:p>
             <a:fld id="{48A87A34-81AB-432B-8DAE-1953F412C126}" type="datetimeFigureOut">
               <a:rPr lang="en-US" dirty="0"/>
-              <a:t>8/28/18</a:t>
+              <a:t>9/6/2018</a:t>
             </a:fld>
             <a:endParaRPr lang="en-US" dirty="0"/>
           </a:p>
@@ -7817,7 +7887,7 @@
           <a:p>
             <a:fld id="{48A87A34-81AB-432B-8DAE-1953F412C126}" type="datetimeFigureOut">
               <a:rPr lang="en-US" dirty="0"/>
-              <a:t>8/28/18</a:t>
+              <a:t>9/6/2018</a:t>
             </a:fld>
             <a:endParaRPr lang="en-US" dirty="0"/>
           </a:p>
@@ -8193,7 +8263,7 @@
           <a:p>
             <a:fld id="{48A87A34-81AB-432B-8DAE-1953F412C126}" type="datetimeFigureOut">
               <a:rPr lang="en-US" dirty="0"/>
-              <a:t>8/28/18</a:t>
+              <a:t>9/6/2018</a:t>
             </a:fld>
             <a:endParaRPr lang="en-US" dirty="0"/>
           </a:p>
@@ -8306,7 +8376,7 @@
           <a:p>
             <a:fld id="{48A87A34-81AB-432B-8DAE-1953F412C126}" type="datetimeFigureOut">
               <a:rPr lang="en-US" dirty="0"/>
-              <a:t>8/28/18</a:t>
+              <a:t>9/6/2018</a:t>
             </a:fld>
             <a:endParaRPr lang="en-US" dirty="0"/>
           </a:p>
@@ -8396,7 +8466,7 @@
           <a:p>
             <a:fld id="{48A87A34-81AB-432B-8DAE-1953F412C126}" type="datetimeFigureOut">
               <a:rPr lang="en-US" dirty="0"/>
-              <a:t>8/28/18</a:t>
+              <a:t>9/6/2018</a:t>
             </a:fld>
             <a:endParaRPr lang="en-US" dirty="0"/>
           </a:p>
@@ -8640,7 +8710,7 @@
           <a:p>
             <a:fld id="{48A87A34-81AB-432B-8DAE-1953F412C126}" type="datetimeFigureOut">
               <a:rPr lang="en-US" dirty="0"/>
-              <a:t>8/28/18</a:t>
+              <a:t>9/6/2018</a:t>
             </a:fld>
             <a:endParaRPr lang="en-US" dirty="0"/>
           </a:p>
@@ -8915,7 +8985,7 @@
           <a:p>
             <a:fld id="{48A87A34-81AB-432B-8DAE-1953F412C126}" type="datetimeFigureOut">
               <a:rPr lang="en-US" dirty="0"/>
-              <a:t>8/28/18</a:t>
+              <a:t>9/6/2018</a:t>
             </a:fld>
             <a:endParaRPr lang="en-US" dirty="0"/>
           </a:p>
@@ -9033,7 +9103,7 @@
           <a:noFill/>
           <a:extLst>
             <a:ext uri="{909E8E84-426E-40dd-AFC4-6F175D3DCCD1}">
-              <a14:hiddenFill xmlns:a14="http://schemas.microsoft.com/office/drawing/2010/main" xmlns="">
+              <a14:hiddenFill xmlns="" xmlns:a14="http://schemas.microsoft.com/office/drawing/2010/main">
                 <a:solidFill>
                   <a:srgbClr val="FFFFFF"/>
                 </a:solidFill>
@@ -9107,7 +9177,7 @@
               </a:ln>
               <a:extLst>
                 <a:ext uri="{91240B29-F687-4f45-9708-019B960494DF}">
-                  <a14:hiddenLine xmlns:a14="http://schemas.microsoft.com/office/drawing/2010/main" xmlns="" w="9525">
+                  <a14:hiddenLine xmlns="" xmlns:a14="http://schemas.microsoft.com/office/drawing/2010/main" w="9525">
                     <a:solidFill>
                       <a:srgbClr val="000000"/>
                     </a:solidFill>
@@ -9197,7 +9267,7 @@
               </a:ln>
               <a:extLst>
                 <a:ext uri="{91240B29-F687-4f45-9708-019B960494DF}">
-                  <a14:hiddenLine xmlns:a14="http://schemas.microsoft.com/office/drawing/2010/main" xmlns="" w="9525">
+                  <a14:hiddenLine xmlns="" xmlns:a14="http://schemas.microsoft.com/office/drawing/2010/main" w="9525">
                     <a:solidFill>
                       <a:srgbClr val="000000"/>
                     </a:solidFill>
@@ -9287,7 +9357,7 @@
               </a:ln>
               <a:extLst>
                 <a:ext uri="{91240B29-F687-4f45-9708-019B960494DF}">
-                  <a14:hiddenLine xmlns:a14="http://schemas.microsoft.com/office/drawing/2010/main" xmlns="" w="9525">
+                  <a14:hiddenLine xmlns="" xmlns:a14="http://schemas.microsoft.com/office/drawing/2010/main" w="9525">
                     <a:solidFill>
                       <a:srgbClr val="000000"/>
                     </a:solidFill>
@@ -9349,7 +9419,7 @@
               </a:ln>
               <a:extLst>
                 <a:ext uri="{91240B29-F687-4f45-9708-019B960494DF}">
-                  <a14:hiddenLine xmlns:a14="http://schemas.microsoft.com/office/drawing/2010/main" xmlns="" w="9525">
+                  <a14:hiddenLine xmlns="" xmlns:a14="http://schemas.microsoft.com/office/drawing/2010/main" w="9525">
                     <a:solidFill>
                       <a:srgbClr val="000000"/>
                     </a:solidFill>
@@ -9439,7 +9509,7 @@
               </a:ln>
               <a:extLst>
                 <a:ext uri="{91240B29-F687-4f45-9708-019B960494DF}">
-                  <a14:hiddenLine xmlns:a14="http://schemas.microsoft.com/office/drawing/2010/main" xmlns="" w="9525">
+                  <a14:hiddenLine xmlns="" xmlns:a14="http://schemas.microsoft.com/office/drawing/2010/main" w="9525">
                     <a:solidFill>
                       <a:srgbClr val="000000"/>
                     </a:solidFill>
@@ -9501,7 +9571,7 @@
               </a:ln>
               <a:extLst>
                 <a:ext uri="{91240B29-F687-4f45-9708-019B960494DF}">
-                  <a14:hiddenLine xmlns:a14="http://schemas.microsoft.com/office/drawing/2010/main" xmlns="" w="9525">
+                  <a14:hiddenLine xmlns="" xmlns:a14="http://schemas.microsoft.com/office/drawing/2010/main" w="9525">
                     <a:solidFill>
                       <a:srgbClr val="000000"/>
                     </a:solidFill>
@@ -9563,7 +9633,7 @@
               </a:ln>
               <a:extLst>
                 <a:ext uri="{91240B29-F687-4f45-9708-019B960494DF}">
-                  <a14:hiddenLine xmlns:a14="http://schemas.microsoft.com/office/drawing/2010/main" xmlns="" w="9525">
+                  <a14:hiddenLine xmlns="" xmlns:a14="http://schemas.microsoft.com/office/drawing/2010/main" w="9525">
                     <a:solidFill>
                       <a:srgbClr val="000000"/>
                     </a:solidFill>
@@ -9653,7 +9723,7 @@
               </a:ln>
               <a:extLst>
                 <a:ext uri="{91240B29-F687-4f45-9708-019B960494DF}">
-                  <a14:hiddenLine xmlns:a14="http://schemas.microsoft.com/office/drawing/2010/main" xmlns="" w="9525">
+                  <a14:hiddenLine xmlns="" xmlns:a14="http://schemas.microsoft.com/office/drawing/2010/main" w="9525">
                     <a:solidFill>
                       <a:srgbClr val="000000"/>
                     </a:solidFill>
@@ -9743,7 +9813,7 @@
               </a:ln>
               <a:extLst>
                 <a:ext uri="{91240B29-F687-4f45-9708-019B960494DF}">
-                  <a14:hiddenLine xmlns:a14="http://schemas.microsoft.com/office/drawing/2010/main" xmlns="" w="9525">
+                  <a14:hiddenLine xmlns="" xmlns:a14="http://schemas.microsoft.com/office/drawing/2010/main" w="9525">
                     <a:solidFill>
                       <a:srgbClr val="000000"/>
                     </a:solidFill>
@@ -9805,7 +9875,7 @@
               </a:ln>
               <a:extLst>
                 <a:ext uri="{91240B29-F687-4f45-9708-019B960494DF}">
-                  <a14:hiddenLine xmlns:a14="http://schemas.microsoft.com/office/drawing/2010/main" xmlns="" w="9525">
+                  <a14:hiddenLine xmlns="" xmlns:a14="http://schemas.microsoft.com/office/drawing/2010/main" w="9525">
                     <a:solidFill>
                       <a:srgbClr val="000000"/>
                     </a:solidFill>
@@ -9915,7 +9985,7 @@
               </a:ln>
               <a:extLst>
                 <a:ext uri="{91240B29-F687-4f45-9708-019B960494DF}">
-                  <a14:hiddenLine xmlns:a14="http://schemas.microsoft.com/office/drawing/2010/main" xmlns="" w="9525">
+                  <a14:hiddenLine xmlns="" xmlns:a14="http://schemas.microsoft.com/office/drawing/2010/main" w="9525">
                     <a:solidFill>
                       <a:srgbClr val="000000"/>
                     </a:solidFill>
@@ -9999,7 +10069,7 @@
               </a:ln>
               <a:extLst>
                 <a:ext uri="{91240B29-F687-4f45-9708-019B960494DF}">
-                  <a14:hiddenLine xmlns:a14="http://schemas.microsoft.com/office/drawing/2010/main" xmlns="" w="9525">
+                  <a14:hiddenLine xmlns="" xmlns:a14="http://schemas.microsoft.com/office/drawing/2010/main" w="9525">
                     <a:solidFill>
                       <a:srgbClr val="000000"/>
                     </a:solidFill>
@@ -10061,7 +10131,7 @@
               </a:ln>
               <a:extLst>
                 <a:ext uri="{91240B29-F687-4f45-9708-019B960494DF}">
-                  <a14:hiddenLine xmlns:a14="http://schemas.microsoft.com/office/drawing/2010/main" xmlns="" w="9525">
+                  <a14:hiddenLine xmlns="" xmlns:a14="http://schemas.microsoft.com/office/drawing/2010/main" w="9525">
                     <a:solidFill>
                       <a:srgbClr val="000000"/>
                     </a:solidFill>
@@ -10123,7 +10193,7 @@
               </a:ln>
               <a:extLst>
                 <a:ext uri="{91240B29-F687-4f45-9708-019B960494DF}">
-                  <a14:hiddenLine xmlns:a14="http://schemas.microsoft.com/office/drawing/2010/main" xmlns="" w="9525">
+                  <a14:hiddenLine xmlns="" xmlns:a14="http://schemas.microsoft.com/office/drawing/2010/main" w="9525">
                     <a:solidFill>
                       <a:srgbClr val="000000"/>
                     </a:solidFill>
@@ -10213,7 +10283,7 @@
               </a:ln>
               <a:extLst>
                 <a:ext uri="{91240B29-F687-4f45-9708-019B960494DF}">
-                  <a14:hiddenLine xmlns:a14="http://schemas.microsoft.com/office/drawing/2010/main" xmlns="" w="9525">
+                  <a14:hiddenLine xmlns="" xmlns:a14="http://schemas.microsoft.com/office/drawing/2010/main" w="9525">
                     <a:solidFill>
                       <a:srgbClr val="000000"/>
                     </a:solidFill>
@@ -10247,7 +10317,7 @@
               </a:ln>
               <a:extLst>
                 <a:ext uri="{91240B29-F687-4f45-9708-019B960494DF}">
-                  <a14:hiddenLine xmlns:a14="http://schemas.microsoft.com/office/drawing/2010/main" xmlns="" w="9525">
+                  <a14:hiddenLine xmlns="" xmlns:a14="http://schemas.microsoft.com/office/drawing/2010/main" w="9525">
                     <a:solidFill>
                       <a:srgbClr val="000000"/>
                     </a:solidFill>
@@ -10312,7 +10382,7 @@
               </a:ln>
               <a:extLst>
                 <a:ext uri="{91240B29-F687-4f45-9708-019B960494DF}">
-                  <a14:hiddenLine xmlns:a14="http://schemas.microsoft.com/office/drawing/2010/main" xmlns="" w="9525">
+                  <a14:hiddenLine xmlns="" xmlns:a14="http://schemas.microsoft.com/office/drawing/2010/main" w="9525">
                     <a:solidFill>
                       <a:srgbClr val="000000"/>
                     </a:solidFill>
@@ -10402,7 +10472,7 @@
               </a:ln>
               <a:extLst>
                 <a:ext uri="{91240B29-F687-4f45-9708-019B960494DF}">
-                  <a14:hiddenLine xmlns:a14="http://schemas.microsoft.com/office/drawing/2010/main" xmlns="" w="9525">
+                  <a14:hiddenLine xmlns="" xmlns:a14="http://schemas.microsoft.com/office/drawing/2010/main" w="9525">
                     <a:solidFill>
                       <a:srgbClr val="000000"/>
                     </a:solidFill>
@@ -10464,7 +10534,7 @@
               </a:ln>
               <a:extLst>
                 <a:ext uri="{91240B29-F687-4f45-9708-019B960494DF}">
-                  <a14:hiddenLine xmlns:a14="http://schemas.microsoft.com/office/drawing/2010/main" xmlns="" w="9525">
+                  <a14:hiddenLine xmlns="" xmlns:a14="http://schemas.microsoft.com/office/drawing/2010/main" w="9525">
                     <a:solidFill>
                       <a:srgbClr val="000000"/>
                     </a:solidFill>
@@ -10554,7 +10624,7 @@
               </a:ln>
               <a:extLst>
                 <a:ext uri="{91240B29-F687-4f45-9708-019B960494DF}">
-                  <a14:hiddenLine xmlns:a14="http://schemas.microsoft.com/office/drawing/2010/main" xmlns="" w="9525">
+                  <a14:hiddenLine xmlns="" xmlns:a14="http://schemas.microsoft.com/office/drawing/2010/main" w="9525">
                     <a:solidFill>
                       <a:srgbClr val="000000"/>
                     </a:solidFill>
@@ -10619,7 +10689,7 @@
               </a:ln>
               <a:extLst>
                 <a:ext uri="{91240B29-F687-4f45-9708-019B960494DF}">
-                  <a14:hiddenLine xmlns:a14="http://schemas.microsoft.com/office/drawing/2010/main" xmlns="" w="9525">
+                  <a14:hiddenLine xmlns="" xmlns:a14="http://schemas.microsoft.com/office/drawing/2010/main" w="9525">
                     <a:solidFill>
                       <a:srgbClr val="000000"/>
                     </a:solidFill>
@@ -10681,7 +10751,7 @@
               </a:ln>
               <a:extLst>
                 <a:ext uri="{91240B29-F687-4f45-9708-019B960494DF}">
-                  <a14:hiddenLine xmlns:a14="http://schemas.microsoft.com/office/drawing/2010/main" xmlns="" w="9525">
+                  <a14:hiddenLine xmlns="" xmlns:a14="http://schemas.microsoft.com/office/drawing/2010/main" w="9525">
                     <a:solidFill>
                       <a:srgbClr val="000000"/>
                     </a:solidFill>
@@ -10771,7 +10841,7 @@
               </a:ln>
               <a:extLst>
                 <a:ext uri="{91240B29-F687-4f45-9708-019B960494DF}">
-                  <a14:hiddenLine xmlns:a14="http://schemas.microsoft.com/office/drawing/2010/main" xmlns="" w="9525">
+                  <a14:hiddenLine xmlns="" xmlns:a14="http://schemas.microsoft.com/office/drawing/2010/main" w="9525">
                     <a:solidFill>
                       <a:srgbClr val="000000"/>
                     </a:solidFill>
@@ -10861,7 +10931,7 @@
               </a:ln>
               <a:extLst>
                 <a:ext uri="{91240B29-F687-4f45-9708-019B960494DF}">
-                  <a14:hiddenLine xmlns:a14="http://schemas.microsoft.com/office/drawing/2010/main" xmlns="" w="9525">
+                  <a14:hiddenLine xmlns="" xmlns:a14="http://schemas.microsoft.com/office/drawing/2010/main" w="9525">
                     <a:solidFill>
                       <a:srgbClr val="000000"/>
                     </a:solidFill>
@@ -10926,7 +10996,7 @@
               </a:ln>
               <a:extLst>
                 <a:ext uri="{91240B29-F687-4f45-9708-019B960494DF}">
-                  <a14:hiddenLine xmlns:a14="http://schemas.microsoft.com/office/drawing/2010/main" xmlns="" w="9525">
+                  <a14:hiddenLine xmlns="" xmlns:a14="http://schemas.microsoft.com/office/drawing/2010/main" w="9525">
                     <a:solidFill>
                       <a:srgbClr val="000000"/>
                     </a:solidFill>
@@ -11046,7 +11116,7 @@
               </a:ln>
               <a:extLst>
                 <a:ext uri="{91240B29-F687-4f45-9708-019B960494DF}">
-                  <a14:hiddenLine xmlns:a14="http://schemas.microsoft.com/office/drawing/2010/main" xmlns="" w="9525">
+                  <a14:hiddenLine xmlns="" xmlns:a14="http://schemas.microsoft.com/office/drawing/2010/main" w="9525">
                     <a:solidFill>
                       <a:srgbClr val="000000"/>
                     </a:solidFill>
@@ -11127,7 +11197,7 @@
               </a:ln>
               <a:extLst>
                 <a:ext uri="{91240B29-F687-4f45-9708-019B960494DF}">
-                  <a14:hiddenLine xmlns:a14="http://schemas.microsoft.com/office/drawing/2010/main" xmlns="" w="9525">
+                  <a14:hiddenLine xmlns="" xmlns:a14="http://schemas.microsoft.com/office/drawing/2010/main" w="9525">
                     <a:solidFill>
                       <a:srgbClr val="000000"/>
                     </a:solidFill>
@@ -11242,7 +11312,7 @@
               </a:ln>
               <a:extLst>
                 <a:ext uri="{91240B29-F687-4f45-9708-019B960494DF}">
-                  <a14:hiddenLine xmlns:a14="http://schemas.microsoft.com/office/drawing/2010/main" xmlns="" w="9525">
+                  <a14:hiddenLine xmlns="" xmlns:a14="http://schemas.microsoft.com/office/drawing/2010/main" w="9525">
                     <a:solidFill>
                       <a:srgbClr val="000000"/>
                     </a:solidFill>
@@ -11332,7 +11402,7 @@
               </a:ln>
               <a:extLst>
                 <a:ext uri="{91240B29-F687-4f45-9708-019B960494DF}">
-                  <a14:hiddenLine xmlns:a14="http://schemas.microsoft.com/office/drawing/2010/main" xmlns="" w="9525">
+                  <a14:hiddenLine xmlns="" xmlns:a14="http://schemas.microsoft.com/office/drawing/2010/main" w="9525">
                     <a:solidFill>
                       <a:srgbClr val="000000"/>
                     </a:solidFill>
@@ -11397,7 +11467,7 @@
               </a:ln>
               <a:extLst>
                 <a:ext uri="{91240B29-F687-4f45-9708-019B960494DF}">
-                  <a14:hiddenLine xmlns:a14="http://schemas.microsoft.com/office/drawing/2010/main" xmlns="" w="9525">
+                  <a14:hiddenLine xmlns="" xmlns:a14="http://schemas.microsoft.com/office/drawing/2010/main" w="9525">
                     <a:solidFill>
                       <a:srgbClr val="000000"/>
                     </a:solidFill>
@@ -11487,7 +11557,7 @@
               </a:ln>
               <a:extLst>
                 <a:ext uri="{91240B29-F687-4f45-9708-019B960494DF}">
-                  <a14:hiddenLine xmlns:a14="http://schemas.microsoft.com/office/drawing/2010/main" xmlns="" w="9525">
+                  <a14:hiddenLine xmlns="" xmlns:a14="http://schemas.microsoft.com/office/drawing/2010/main" w="9525">
                     <a:solidFill>
                       <a:srgbClr val="000000"/>
                     </a:solidFill>
@@ -11555,7 +11625,7 @@
               </a:ln>
               <a:extLst>
                 <a:ext uri="{91240B29-F687-4f45-9708-019B960494DF}">
-                  <a14:hiddenLine xmlns:a14="http://schemas.microsoft.com/office/drawing/2010/main" xmlns="" w="9525">
+                  <a14:hiddenLine xmlns="" xmlns:a14="http://schemas.microsoft.com/office/drawing/2010/main" w="9525">
                     <a:solidFill>
                       <a:srgbClr val="000000"/>
                     </a:solidFill>
@@ -11645,7 +11715,7 @@
               </a:ln>
               <a:extLst>
                 <a:ext uri="{91240B29-F687-4f45-9708-019B960494DF}">
-                  <a14:hiddenLine xmlns:a14="http://schemas.microsoft.com/office/drawing/2010/main" xmlns="" w="9525">
+                  <a14:hiddenLine xmlns="" xmlns:a14="http://schemas.microsoft.com/office/drawing/2010/main" w="9525">
                     <a:solidFill>
                       <a:srgbClr val="000000"/>
                     </a:solidFill>
@@ -11713,7 +11783,7 @@
               </a:ln>
               <a:extLst>
                 <a:ext uri="{91240B29-F687-4f45-9708-019B960494DF}">
-                  <a14:hiddenLine xmlns:a14="http://schemas.microsoft.com/office/drawing/2010/main" xmlns="" w="9525">
+                  <a14:hiddenLine xmlns="" xmlns:a14="http://schemas.microsoft.com/office/drawing/2010/main" w="9525">
                     <a:solidFill>
                       <a:srgbClr val="000000"/>
                     </a:solidFill>
@@ -11803,7 +11873,7 @@
               </a:ln>
               <a:extLst>
                 <a:ext uri="{91240B29-F687-4f45-9708-019B960494DF}">
-                  <a14:hiddenLine xmlns:a14="http://schemas.microsoft.com/office/drawing/2010/main" xmlns="" w="9525">
+                  <a14:hiddenLine xmlns="" xmlns:a14="http://schemas.microsoft.com/office/drawing/2010/main" w="9525">
                     <a:solidFill>
                       <a:srgbClr val="000000"/>
                     </a:solidFill>
@@ -11837,7 +11907,7 @@
               </a:ln>
               <a:extLst>
                 <a:ext uri="{91240B29-F687-4f45-9708-019B960494DF}">
-                  <a14:hiddenLine xmlns:a14="http://schemas.microsoft.com/office/drawing/2010/main" xmlns="" w="9525">
+                  <a14:hiddenLine xmlns="" xmlns:a14="http://schemas.microsoft.com/office/drawing/2010/main" w="9525">
                     <a:solidFill>
                       <a:srgbClr val="000000"/>
                     </a:solidFill>
@@ -11978,7 +12048,7 @@
             <a:fld id="{48A87A34-81AB-432B-8DAE-1953F412C126}" type="datetimeFigureOut">
               <a:rPr lang="en-US" dirty="0"/>
               <a:pPr/>
-              <a:t>8/28/18</a:t>
+              <a:t>9/6/2018</a:t>
             </a:fld>
             <a:endParaRPr lang="en-US" dirty="0"/>
           </a:p>
@@ -12872,6 +12942,118 @@
           <p:cNvPr id="2" name="Title 1">
             <a:extLst>
               <a:ext uri="{FF2B5EF4-FFF2-40B4-BE49-F238E27FC236}">
+                <a16:creationId xmlns:a16="http://schemas.microsoft.com/office/drawing/2014/main" id="{5582EEDC-4FDB-4213-B4E1-A1BCB6012382}"/>
+              </a:ext>
+            </a:extLst>
+          </p:cNvPr>
+          <p:cNvSpPr>
+            <a:spLocks noGrp="1"/>
+          </p:cNvSpPr>
+          <p:nvPr>
+            <p:ph type="title"/>
+          </p:nvPr>
+        </p:nvSpPr>
+        <p:spPr/>
+        <p:txBody>
+          <a:bodyPr/>
+          <a:lstStyle/>
+          <a:p>
+            <a:r>
+              <a:rPr lang="en-US" dirty="0"/>
+              <a:t>What is an Image?</a:t>
+            </a:r>
+          </a:p>
+        </p:txBody>
+      </p:sp>
+      <p:sp>
+        <p:nvSpPr>
+          <p:cNvPr id="3" name="Content Placeholder 2">
+            <a:extLst>
+              <a:ext uri="{FF2B5EF4-FFF2-40B4-BE49-F238E27FC236}">
+                <a16:creationId xmlns:a16="http://schemas.microsoft.com/office/drawing/2014/main" id="{90792A49-A99D-4914-BB5F-27E7A5BE199C}"/>
+              </a:ext>
+            </a:extLst>
+          </p:cNvPr>
+          <p:cNvSpPr>
+            <a:spLocks noGrp="1"/>
+          </p:cNvSpPr>
+          <p:nvPr>
+            <p:ph idx="1"/>
+          </p:nvPr>
+        </p:nvSpPr>
+        <p:spPr/>
+        <p:txBody>
+          <a:bodyPr/>
+          <a:lstStyle/>
+          <a:p>
+            <a:r>
+              <a:rPr lang="en-US" dirty="0"/>
+              <a:t>A zipped file that contains all of the files and configuration needed to run your app.</a:t>
+            </a:r>
+          </a:p>
+          <a:p>
+            <a:r>
+              <a:rPr lang="en-US" dirty="0"/>
+              <a:t>Can be used to create a </a:t>
+            </a:r>
+            <a:r>
+              <a:rPr lang="en-US" i="1" dirty="0"/>
+              <a:t>container</a:t>
+            </a:r>
+            <a:r>
+              <a:rPr lang="en-US" dirty="0"/>
+              <a:t>.</a:t>
+            </a:r>
+          </a:p>
+          <a:p>
+            <a:r>
+              <a:rPr lang="en-US" dirty="0"/>
+              <a:t>On the host OS, stored in /var/lib/docker/…</a:t>
+            </a:r>
+          </a:p>
+          <a:p>
+            <a:r>
+              <a:rPr lang="en-US" dirty="0"/>
+              <a:t>Images are managed by the Docker daemon.</a:t>
+            </a:r>
+          </a:p>
+        </p:txBody>
+      </p:sp>
+    </p:spTree>
+    <p:extLst>
+      <p:ext uri="{BB962C8B-B14F-4D97-AF65-F5344CB8AC3E}">
+        <p14:creationId xmlns:p14="http://schemas.microsoft.com/office/powerpoint/2010/main" val="351714113"/>
+      </p:ext>
+    </p:extLst>
+  </p:cSld>
+  <p:clrMapOvr>
+    <a:masterClrMapping/>
+  </p:clrMapOvr>
+</p:sld>
+</file>
+
+<file path=ppt/slides/slide5.xml><?xml version="1.0" encoding="utf-8"?>
+<p:sld xmlns:a="http://schemas.openxmlformats.org/drawingml/2006/main" xmlns:r="http://schemas.openxmlformats.org/officeDocument/2006/relationships" xmlns:p="http://schemas.openxmlformats.org/presentationml/2006/main">
+  <p:cSld>
+    <p:spTree>
+      <p:nvGrpSpPr>
+        <p:cNvPr id="1" name=""/>
+        <p:cNvGrpSpPr/>
+        <p:nvPr/>
+      </p:nvGrpSpPr>
+      <p:grpSpPr>
+        <a:xfrm>
+          <a:off x="0" y="0"/>
+          <a:ext cx="0" cy="0"/>
+          <a:chOff x="0" y="0"/>
+          <a:chExt cx="0" cy="0"/>
+        </a:xfrm>
+      </p:grpSpPr>
+      <p:sp>
+        <p:nvSpPr>
+          <p:cNvPr id="2" name="Title 1">
+            <a:extLst>
+              <a:ext uri="{FF2B5EF4-FFF2-40B4-BE49-F238E27FC236}">
                 <a16:creationId xmlns:a16="http://schemas.microsoft.com/office/drawing/2014/main" id="{35492B43-19F1-4BE9-B108-F8DC6246EE97}"/>
               </a:ext>
             </a:extLst>
@@ -12913,12 +13095,21 @@
         </p:nvSpPr>
         <p:spPr/>
         <p:txBody>
-          <a:bodyPr/>
+          <a:bodyPr>
+            <a:normAutofit fontScale="92500" lnSpcReduction="10000"/>
+          </a:bodyPr>
           <a:lstStyle/>
           <a:p>
             <a:r>
               <a:rPr lang="en-US" dirty="0"/>
-              <a:t>Software that encapsulates code, runtime, system tools/libraries, and settings.</a:t>
+              <a:t>An isolated environment running an app based on an image.</a:t>
+            </a:r>
+          </a:p>
+          <a:p>
+            <a:pPr lvl="1"/>
+            <a:r>
+              <a:rPr lang="en-US" dirty="0"/>
+              <a:t>Has its own file system and network.</a:t>
             </a:r>
           </a:p>
           <a:p>
@@ -12982,7 +13173,7 @@
 </p:sld>
 </file>
 
-<file path=ppt/slides/slide5.xml><?xml version="1.0" encoding="utf-8"?>
+<file path=ppt/slides/slide6.xml><?xml version="1.0" encoding="utf-8"?>
 <p:sld xmlns:a="http://schemas.openxmlformats.org/drawingml/2006/main" xmlns:r="http://schemas.openxmlformats.org/officeDocument/2006/relationships" xmlns:p="http://schemas.openxmlformats.org/presentationml/2006/main">
   <p:cSld>
     <p:spTree>
@@ -13046,7 +13237,7 @@
         <p:spPr/>
         <p:txBody>
           <a:bodyPr>
-            <a:normAutofit fontScale="92500"/>
+            <a:normAutofit lnSpcReduction="10000"/>
           </a:bodyPr>
           <a:lstStyle/>
           <a:p>
@@ -13072,25 +13263,18 @@
             <a:pPr lvl="1"/>
             <a:r>
               <a:rPr lang="en-US" dirty="0"/>
-              <a:t>Docker Host</a:t>
+              <a:t>Docker Daemon</a:t>
             </a:r>
           </a:p>
           <a:p>
-            <a:pPr lvl="2"/>
-            <a:r>
-              <a:rPr lang="en-US" dirty="0"/>
-              <a:t>Daemon</a:t>
-            </a:r>
-          </a:p>
-          <a:p>
-            <a:pPr lvl="2"/>
+            <a:pPr lvl="1"/>
             <a:r>
               <a:rPr lang="en-US" dirty="0"/>
               <a:t>Containers</a:t>
             </a:r>
           </a:p>
           <a:p>
-            <a:pPr lvl="2"/>
+            <a:pPr lvl="1"/>
             <a:r>
               <a:rPr lang="en-US" dirty="0"/>
               <a:t>Images</a:t>
@@ -13152,7 +13336,7 @@
 </p:sld>
 </file>
 
-<file path=ppt/slides/slide6.xml><?xml version="1.0" encoding="utf-8"?>
+<file path=ppt/slides/slide7.xml><?xml version="1.0" encoding="utf-8"?>
 <p:sld xmlns:a="http://schemas.openxmlformats.org/drawingml/2006/main" xmlns:r="http://schemas.openxmlformats.org/officeDocument/2006/relationships" xmlns:p="http://schemas.openxmlformats.org/presentationml/2006/main">
   <p:cSld>
     <p:spTree>
@@ -13221,7 +13405,7 @@
         </p:spPr>
         <p:txBody>
           <a:bodyPr>
-            <a:normAutofit fontScale="92500" lnSpcReduction="20000"/>
+            <a:normAutofit/>
           </a:bodyPr>
           <a:lstStyle/>
           <a:p>
@@ -13233,92 +13417,6 @@
           <a:p>
             <a:r>
               <a:rPr lang="en-US" dirty="0"/>
-              <a:t>Each container has these namespaces:</a:t>
-            </a:r>
-          </a:p>
-          <a:p>
-            <a:pPr lvl="1"/>
-            <a:r>
-              <a:rPr lang="en-US" dirty="0"/>
-              <a:t>Process isolation (</a:t>
-            </a:r>
-            <a:r>
-              <a:rPr lang="en-US" dirty="0" err="1"/>
-              <a:t>pid</a:t>
-            </a:r>
-            <a:r>
-              <a:rPr lang="en-US" dirty="0"/>
-              <a:t>)</a:t>
-            </a:r>
-          </a:p>
-          <a:p>
-            <a:pPr lvl="1"/>
-            <a:r>
-              <a:rPr lang="en-US" dirty="0"/>
-              <a:t>Networking (net)</a:t>
-            </a:r>
-          </a:p>
-          <a:p>
-            <a:pPr lvl="1"/>
-            <a:r>
-              <a:rPr lang="en-US" dirty="0"/>
-              <a:t>Inter-process communication (</a:t>
-            </a:r>
-            <a:r>
-              <a:rPr lang="en-US" dirty="0" err="1"/>
-              <a:t>ipc</a:t>
-            </a:r>
-            <a:r>
-              <a:rPr lang="en-US" dirty="0"/>
-              <a:t>)</a:t>
-            </a:r>
-          </a:p>
-          <a:p>
-            <a:pPr lvl="1"/>
-            <a:r>
-              <a:rPr lang="en-US" dirty="0"/>
-              <a:t>File system mounts (</a:t>
-            </a:r>
-            <a:r>
-              <a:rPr lang="en-US" dirty="0" err="1"/>
-              <a:t>mnt</a:t>
-            </a:r>
-            <a:r>
-              <a:rPr lang="en-US" dirty="0"/>
-              <a:t>)</a:t>
-            </a:r>
-          </a:p>
-          <a:p>
-            <a:pPr lvl="1"/>
-            <a:r>
-              <a:rPr lang="en-US" dirty="0"/>
-              <a:t>Kernel and version identifiers (</a:t>
-            </a:r>
-            <a:r>
-              <a:rPr lang="en-US" dirty="0" err="1"/>
-              <a:t>uts</a:t>
-            </a:r>
-            <a:r>
-              <a:rPr lang="en-US" dirty="0"/>
-              <a:t>)</a:t>
-            </a:r>
-          </a:p>
-          <a:p>
-            <a:r>
-              <a:rPr lang="en-US" dirty="0"/>
-              <a:t>Control Groups</a:t>
-            </a:r>
-          </a:p>
-          <a:p>
-            <a:pPr lvl="1"/>
-            <a:r>
-              <a:rPr lang="en-US" dirty="0"/>
-              <a:t>Limit an application to a specific set of resources.</a:t>
-            </a:r>
-          </a:p>
-          <a:p>
-            <a:r>
-              <a:rPr lang="en-US" dirty="0"/>
               <a:t>Union File Systems</a:t>
             </a:r>
           </a:p>
@@ -13327,6 +13425,13 @@
             <a:r>
               <a:rPr lang="en-US" dirty="0"/>
               <a:t>File systems that operate by creating layers, making them very fast.</a:t>
+            </a:r>
+          </a:p>
+          <a:p>
+            <a:pPr lvl="1"/>
+            <a:r>
+              <a:rPr lang="en-US" dirty="0"/>
+              <a:t>Updates only require that you get the updated layers and not everything.</a:t>
             </a:r>
           </a:p>
           <a:p>
